--- a/Presentation.pptx
+++ b/Presentation.pptx
@@ -7788,7 +7788,7 @@
           <p:nvPr/>
         </p:nvPicPr>
         <p:blipFill>
-          <a:blip r:embed="rId3">
+          <a:blip r:embed="rId2">
             <a:extLst>
               <a:ext uri="{28A0092B-C50C-407E-A947-70E740481C1C}">
                 <a14:useLocalDpi xmlns:a14="http://schemas.microsoft.com/office/drawing/2010/main" val="0"/>
@@ -7835,7 +7835,7 @@
           <p:nvPr/>
         </p:nvPicPr>
         <p:blipFill>
-          <a:blip r:embed="rId4">
+          <a:blip r:embed="rId3">
             <a:extLst>
               <a:ext uri="{28A0092B-C50C-407E-A947-70E740481C1C}">
                 <a14:useLocalDpi xmlns:a14="http://schemas.microsoft.com/office/drawing/2010/main" val="0"/>
@@ -7882,7 +7882,7 @@
           <p:nvPr/>
         </p:nvPicPr>
         <p:blipFill>
-          <a:blip r:embed="rId5">
+          <a:blip r:embed="rId4">
             <a:extLst>
               <a:ext uri="{28A0092B-C50C-407E-A947-70E740481C1C}">
                 <a14:useLocalDpi xmlns:a14="http://schemas.microsoft.com/office/drawing/2010/main" val="0"/>
@@ -7929,7 +7929,7 @@
           <p:nvPr/>
         </p:nvPicPr>
         <p:blipFill>
-          <a:blip r:embed="rId6">
+          <a:blip r:embed="rId5">
             <a:extLst>
               <a:ext uri="{28A0092B-C50C-407E-A947-70E740481C1C}">
                 <a14:useLocalDpi xmlns:a14="http://schemas.microsoft.com/office/drawing/2010/main" val="0"/>
@@ -8816,7 +8816,7 @@
           <p:nvPr/>
         </p:nvPicPr>
         <p:blipFill>
-          <a:blip r:embed="rId3" r:link="rId4">
+          <a:blip r:embed="rId2" r:link="rId3">
             <a:extLst>
               <a:ext uri="{28A0092B-C50C-407E-A947-70E740481C1C}">
                 <a14:useLocalDpi xmlns:a14="http://schemas.microsoft.com/office/drawing/2010/main" val="0"/>
@@ -9496,8 +9496,8 @@
         </p:nvSpPr>
         <p:spPr>
           <a:xfrm>
-            <a:off x="8881681" y="1103711"/>
-            <a:ext cx="1101458" cy="369332"/>
+            <a:off x="8254224" y="1103711"/>
+            <a:ext cx="2298697" cy="369332"/>
           </a:xfrm>
           <a:prstGeom prst="rect">
             <a:avLst/>
@@ -9513,6 +9513,10 @@
             <a:r>
               <a:rPr lang="fr-FR" i="1" u="sng" dirty="0" err="1"/>
               <a:t>Y_train</a:t>
+            </a:r>
+            <a:r>
+              <a:rPr lang="fr-FR" i="1" dirty="0"/>
+              <a:t> (Ground_truth)</a:t>
             </a:r>
             <a:endParaRPr lang="fr-FR" i="1" u="sng" dirty="0"/>
           </a:p>
@@ -9752,13 +9756,12 @@
           </p:cNvPr>
           <p:cNvCxnSpPr>
             <a:cxnSpLocks/>
-            <a:endCxn id="41" idx="0"/>
           </p:cNvCxnSpPr>
           <p:nvPr/>
         </p:nvCxnSpPr>
         <p:spPr>
           <a:xfrm>
-            <a:off x="9401967" y="3781293"/>
+            <a:off x="9401967" y="3701972"/>
             <a:ext cx="2025" cy="511515"/>
           </a:xfrm>
           <a:prstGeom prst="straightConnector1">
@@ -12836,7 +12839,7 @@
           <a:p>
             <a:r>
               <a:rPr lang="fr-FR" dirty="0"/>
-              <a:t>Arpège 3D(213000, 10) entre 2016 et 2017 </a:t>
+              <a:t>Arpège 3D (213000, 10) entre 2016 et 2017 </a:t>
             </a:r>
           </a:p>
           <a:p>
@@ -12869,7 +12872,7 @@
         </p:blipFill>
         <p:spPr>
           <a:xfrm>
-            <a:off x="471644" y="2758117"/>
+            <a:off x="471644" y="2852366"/>
             <a:ext cx="11248712" cy="2792982"/>
           </a:xfrm>
           <a:prstGeom prst="rect">

--- a/Presentation.pptx
+++ b/Presentation.pptx
@@ -126,6 +126,38 @@
     </a:lvl9pPr>
   </p:defaultTextStyle>
   <p:extLst>
+    <p:ext uri="{521415D9-36F7-43E2-AB2F-B90AF26B5E84}">
+      <p14:sectionLst xmlns:p14="http://schemas.microsoft.com/office/powerpoint/2010/main">
+        <p14:section name="Yoann" id="{75E6E358-FDED-EB4C-BA90-5110BFA638BA}">
+          <p14:sldIdLst>
+            <p14:sldId id="256"/>
+            <p14:sldId id="257"/>
+            <p14:sldId id="258"/>
+            <p14:sldId id="259"/>
+            <p14:sldId id="260"/>
+          </p14:sldIdLst>
+        </p14:section>
+        <p14:section name="Thomas" id="{1F2F2E8F-6E08-A545-B885-85778DBC47B9}">
+          <p14:sldIdLst>
+            <p14:sldId id="261"/>
+            <p14:sldId id="262"/>
+            <p14:sldId id="263"/>
+            <p14:sldId id="271"/>
+            <p14:sldId id="264"/>
+          </p14:sldIdLst>
+        </p14:section>
+        <p14:section name="Dorian" id="{2EC32B9C-7AF5-5744-9D25-7939F01F352E}">
+          <p14:sldIdLst>
+            <p14:sldId id="265"/>
+            <p14:sldId id="266"/>
+            <p14:sldId id="267"/>
+            <p14:sldId id="272"/>
+            <p14:sldId id="268"/>
+            <p14:sldId id="269"/>
+          </p14:sldIdLst>
+        </p14:section>
+      </p14:sectionLst>
+    </p:ext>
     <p:ext uri="{EFAFB233-063F-42B5-8137-9DF3F51BA10A}">
       <p15:sldGuideLst xmlns:p15="http://schemas.microsoft.com/office/powerpoint/2012/main"/>
     </p:ext>
@@ -677,6 +709,560 @@
     </a:lvl9pPr>
   </p:notesStyle>
 </p:notesMaster>
+</file>
+
+<file path=ppt/notesSlides/notesSlide1.xml><?xml version="1.0" encoding="utf-8"?>
+<p:notes xmlns:a="http://schemas.openxmlformats.org/drawingml/2006/main" xmlns:r="http://schemas.openxmlformats.org/officeDocument/2006/relationships" xmlns:p="http://schemas.openxmlformats.org/presentationml/2006/main">
+  <p:cSld>
+    <p:spTree>
+      <p:nvGrpSpPr>
+        <p:cNvPr id="1" name=""/>
+        <p:cNvGrpSpPr/>
+        <p:nvPr/>
+      </p:nvGrpSpPr>
+      <p:grpSpPr>
+        <a:xfrm>
+          <a:off x="0" y="0"/>
+          <a:ext cx="0" cy="0"/>
+          <a:chOff x="0" y="0"/>
+          <a:chExt cx="0" cy="0"/>
+        </a:xfrm>
+      </p:grpSpPr>
+      <p:sp>
+        <p:nvSpPr>
+          <p:cNvPr id="2" name="Espace réservé de l'image des diapositives 1"/>
+          <p:cNvSpPr>
+            <a:spLocks noGrp="1" noRot="1" noChangeAspect="1"/>
+          </p:cNvSpPr>
+          <p:nvPr>
+            <p:ph type="sldImg"/>
+          </p:nvPr>
+        </p:nvSpPr>
+        <p:spPr/>
+      </p:sp>
+      <p:sp>
+        <p:nvSpPr>
+          <p:cNvPr id="3" name="Espace réservé des notes 2"/>
+          <p:cNvSpPr>
+            <a:spLocks noGrp="1"/>
+          </p:cNvSpPr>
+          <p:nvPr>
+            <p:ph type="body" idx="1"/>
+          </p:nvPr>
+        </p:nvSpPr>
+        <p:spPr/>
+        <p:txBody>
+          <a:bodyPr/>
+          <a:lstStyle/>
+          <a:p>
+            <a:endParaRPr lang="fr-FR" dirty="0"/>
+          </a:p>
+        </p:txBody>
+      </p:sp>
+      <p:sp>
+        <p:nvSpPr>
+          <p:cNvPr id="4" name="Espace réservé du pied de page 3"/>
+          <p:cNvSpPr>
+            <a:spLocks noGrp="1"/>
+          </p:cNvSpPr>
+          <p:nvPr>
+            <p:ph type="ftr" sz="quarter" idx="4"/>
+          </p:nvPr>
+        </p:nvSpPr>
+        <p:spPr/>
+        <p:txBody>
+          <a:bodyPr/>
+          <a:lstStyle/>
+          <a:p>
+            <a:r>
+              <a:rPr lang="fr-FR"/>
+              <a:t>By Dorian VOYDIE, Thomas FRAMERY, Yoann MAAREK</a:t>
+            </a:r>
+          </a:p>
+        </p:txBody>
+      </p:sp>
+      <p:sp>
+        <p:nvSpPr>
+          <p:cNvPr id="5" name="Espace réservé du numéro de diapositive 4"/>
+          <p:cNvSpPr>
+            <a:spLocks noGrp="1"/>
+          </p:cNvSpPr>
+          <p:nvPr>
+            <p:ph type="sldNum" sz="quarter" idx="5"/>
+          </p:nvPr>
+        </p:nvSpPr>
+        <p:spPr/>
+        <p:txBody>
+          <a:bodyPr/>
+          <a:lstStyle/>
+          <a:p>
+            <a:fld id="{11529CA6-0AC6-1D4C-8435-2CEE69F4CE0D}" type="slidenum">
+              <a:rPr lang="fr-FR" smtClean="0"/>
+              <a:t>2</a:t>
+            </a:fld>
+            <a:endParaRPr lang="fr-FR"/>
+          </a:p>
+        </p:txBody>
+      </p:sp>
+    </p:spTree>
+    <p:extLst>
+      <p:ext uri="{BB962C8B-B14F-4D97-AF65-F5344CB8AC3E}">
+        <p14:creationId xmlns:p14="http://schemas.microsoft.com/office/powerpoint/2010/main" val="446911198"/>
+      </p:ext>
+    </p:extLst>
+  </p:cSld>
+  <p:clrMapOvr>
+    <a:masterClrMapping/>
+  </p:clrMapOvr>
+</p:notes>
+</file>
+
+<file path=ppt/notesSlides/notesSlide2.xml><?xml version="1.0" encoding="utf-8"?>
+<p:notes xmlns:a="http://schemas.openxmlformats.org/drawingml/2006/main" xmlns:r="http://schemas.openxmlformats.org/officeDocument/2006/relationships" xmlns:p="http://schemas.openxmlformats.org/presentationml/2006/main">
+  <p:cSld>
+    <p:spTree>
+      <p:nvGrpSpPr>
+        <p:cNvPr id="1" name=""/>
+        <p:cNvGrpSpPr/>
+        <p:nvPr/>
+      </p:nvGrpSpPr>
+      <p:grpSpPr>
+        <a:xfrm>
+          <a:off x="0" y="0"/>
+          <a:ext cx="0" cy="0"/>
+          <a:chOff x="0" y="0"/>
+          <a:chExt cx="0" cy="0"/>
+        </a:xfrm>
+      </p:grpSpPr>
+      <p:sp>
+        <p:nvSpPr>
+          <p:cNvPr id="2" name="Espace réservé de l'image des diapositives 1"/>
+          <p:cNvSpPr>
+            <a:spLocks noGrp="1" noRot="1" noChangeAspect="1"/>
+          </p:cNvSpPr>
+          <p:nvPr>
+            <p:ph type="sldImg"/>
+          </p:nvPr>
+        </p:nvSpPr>
+        <p:spPr/>
+      </p:sp>
+      <p:sp>
+        <p:nvSpPr>
+          <p:cNvPr id="3" name="Espace réservé des notes 2"/>
+          <p:cNvSpPr>
+            <a:spLocks noGrp="1"/>
+          </p:cNvSpPr>
+          <p:nvPr>
+            <p:ph type="body" idx="1"/>
+          </p:nvPr>
+        </p:nvSpPr>
+        <p:spPr/>
+        <p:txBody>
+          <a:bodyPr/>
+          <a:lstStyle/>
+          <a:p>
+            <a:r>
+              <a:rPr lang="fr-FR" dirty="0"/>
+              <a:t>Finir pour 3mn30 environ (pas de stress)</a:t>
+            </a:r>
+          </a:p>
+        </p:txBody>
+      </p:sp>
+      <p:sp>
+        <p:nvSpPr>
+          <p:cNvPr id="4" name="Espace réservé du pied de page 3"/>
+          <p:cNvSpPr>
+            <a:spLocks noGrp="1"/>
+          </p:cNvSpPr>
+          <p:nvPr>
+            <p:ph type="ftr" sz="quarter" idx="4"/>
+          </p:nvPr>
+        </p:nvSpPr>
+        <p:spPr/>
+        <p:txBody>
+          <a:bodyPr/>
+          <a:lstStyle/>
+          <a:p>
+            <a:r>
+              <a:rPr lang="fr-FR"/>
+              <a:t>By Dorian VOYDIE, Thomas FRAMERY, Yoann MAAREK</a:t>
+            </a:r>
+          </a:p>
+        </p:txBody>
+      </p:sp>
+      <p:sp>
+        <p:nvSpPr>
+          <p:cNvPr id="5" name="Espace réservé du numéro de diapositive 4"/>
+          <p:cNvSpPr>
+            <a:spLocks noGrp="1"/>
+          </p:cNvSpPr>
+          <p:nvPr>
+            <p:ph type="sldNum" sz="quarter" idx="5"/>
+          </p:nvPr>
+        </p:nvSpPr>
+        <p:spPr/>
+        <p:txBody>
+          <a:bodyPr/>
+          <a:lstStyle/>
+          <a:p>
+            <a:fld id="{11529CA6-0AC6-1D4C-8435-2CEE69F4CE0D}" type="slidenum">
+              <a:rPr lang="fr-FR" smtClean="0"/>
+              <a:t>5</a:t>
+            </a:fld>
+            <a:endParaRPr lang="fr-FR"/>
+          </a:p>
+        </p:txBody>
+      </p:sp>
+    </p:spTree>
+    <p:extLst>
+      <p:ext uri="{BB962C8B-B14F-4D97-AF65-F5344CB8AC3E}">
+        <p14:creationId xmlns:p14="http://schemas.microsoft.com/office/powerpoint/2010/main" val="27015577"/>
+      </p:ext>
+    </p:extLst>
+  </p:cSld>
+  <p:clrMapOvr>
+    <a:masterClrMapping/>
+  </p:clrMapOvr>
+</p:notes>
+</file>
+
+<file path=ppt/notesSlides/notesSlide3.xml><?xml version="1.0" encoding="utf-8"?>
+<p:notes xmlns:a="http://schemas.openxmlformats.org/drawingml/2006/main" xmlns:r="http://schemas.openxmlformats.org/officeDocument/2006/relationships" xmlns:p="http://schemas.openxmlformats.org/presentationml/2006/main">
+  <p:cSld>
+    <p:spTree>
+      <p:nvGrpSpPr>
+        <p:cNvPr id="1" name=""/>
+        <p:cNvGrpSpPr/>
+        <p:nvPr/>
+      </p:nvGrpSpPr>
+      <p:grpSpPr>
+        <a:xfrm>
+          <a:off x="0" y="0"/>
+          <a:ext cx="0" cy="0"/>
+          <a:chOff x="0" y="0"/>
+          <a:chExt cx="0" cy="0"/>
+        </a:xfrm>
+      </p:grpSpPr>
+      <p:sp>
+        <p:nvSpPr>
+          <p:cNvPr id="2" name="Espace réservé de l'image des diapositives 1"/>
+          <p:cNvSpPr>
+            <a:spLocks noGrp="1" noRot="1" noChangeAspect="1"/>
+          </p:cNvSpPr>
+          <p:nvPr>
+            <p:ph type="sldImg"/>
+          </p:nvPr>
+        </p:nvSpPr>
+        <p:spPr/>
+      </p:sp>
+      <p:sp>
+        <p:nvSpPr>
+          <p:cNvPr id="3" name="Espace réservé des notes 2"/>
+          <p:cNvSpPr>
+            <a:spLocks noGrp="1"/>
+          </p:cNvSpPr>
+          <p:nvPr>
+            <p:ph type="body" idx="1"/>
+          </p:nvPr>
+        </p:nvSpPr>
+        <p:spPr/>
+        <p:txBody>
+          <a:bodyPr/>
+          <a:lstStyle/>
+          <a:p>
+            <a:r>
+              <a:rPr lang="fr-FR" dirty="0"/>
+              <a:t>Thomas Parle</a:t>
+            </a:r>
+          </a:p>
+          <a:p>
+            <a:r>
+              <a:rPr lang="fr-FR" dirty="0"/>
+              <a:t>3mn30</a:t>
+            </a:r>
+          </a:p>
+        </p:txBody>
+      </p:sp>
+      <p:sp>
+        <p:nvSpPr>
+          <p:cNvPr id="4" name="Espace réservé du pied de page 3"/>
+          <p:cNvSpPr>
+            <a:spLocks noGrp="1"/>
+          </p:cNvSpPr>
+          <p:nvPr>
+            <p:ph type="ftr" sz="quarter" idx="4"/>
+          </p:nvPr>
+        </p:nvSpPr>
+        <p:spPr/>
+        <p:txBody>
+          <a:bodyPr/>
+          <a:lstStyle/>
+          <a:p>
+            <a:r>
+              <a:rPr lang="fr-FR"/>
+              <a:t>By Dorian VOYDIE, Thomas FRAMERY, Yoann MAAREK</a:t>
+            </a:r>
+          </a:p>
+        </p:txBody>
+      </p:sp>
+      <p:sp>
+        <p:nvSpPr>
+          <p:cNvPr id="5" name="Espace réservé du numéro de diapositive 4"/>
+          <p:cNvSpPr>
+            <a:spLocks noGrp="1"/>
+          </p:cNvSpPr>
+          <p:nvPr>
+            <p:ph type="sldNum" sz="quarter" idx="5"/>
+          </p:nvPr>
+        </p:nvSpPr>
+        <p:spPr/>
+        <p:txBody>
+          <a:bodyPr/>
+          <a:lstStyle/>
+          <a:p>
+            <a:fld id="{11529CA6-0AC6-1D4C-8435-2CEE69F4CE0D}" type="slidenum">
+              <a:rPr lang="fr-FR" smtClean="0"/>
+              <a:t>6</a:t>
+            </a:fld>
+            <a:endParaRPr lang="fr-FR"/>
+          </a:p>
+        </p:txBody>
+      </p:sp>
+    </p:spTree>
+    <p:extLst>
+      <p:ext uri="{BB962C8B-B14F-4D97-AF65-F5344CB8AC3E}">
+        <p14:creationId xmlns:p14="http://schemas.microsoft.com/office/powerpoint/2010/main" val="2962171594"/>
+      </p:ext>
+    </p:extLst>
+  </p:cSld>
+  <p:clrMapOvr>
+    <a:masterClrMapping/>
+  </p:clrMapOvr>
+</p:notes>
+</file>
+
+<file path=ppt/notesSlides/notesSlide4.xml><?xml version="1.0" encoding="utf-8"?>
+<p:notes xmlns:a="http://schemas.openxmlformats.org/drawingml/2006/main" xmlns:r="http://schemas.openxmlformats.org/officeDocument/2006/relationships" xmlns:p="http://schemas.openxmlformats.org/presentationml/2006/main">
+  <p:cSld>
+    <p:spTree>
+      <p:nvGrpSpPr>
+        <p:cNvPr id="1" name=""/>
+        <p:cNvGrpSpPr/>
+        <p:nvPr/>
+      </p:nvGrpSpPr>
+      <p:grpSpPr>
+        <a:xfrm>
+          <a:off x="0" y="0"/>
+          <a:ext cx="0" cy="0"/>
+          <a:chOff x="0" y="0"/>
+          <a:chExt cx="0" cy="0"/>
+        </a:xfrm>
+      </p:grpSpPr>
+      <p:sp>
+        <p:nvSpPr>
+          <p:cNvPr id="2" name="Espace réservé de l'image des diapositives 1"/>
+          <p:cNvSpPr>
+            <a:spLocks noGrp="1" noRot="1" noChangeAspect="1"/>
+          </p:cNvSpPr>
+          <p:nvPr>
+            <p:ph type="sldImg"/>
+          </p:nvPr>
+        </p:nvSpPr>
+        <p:spPr/>
+      </p:sp>
+      <p:sp>
+        <p:nvSpPr>
+          <p:cNvPr id="3" name="Espace réservé des notes 2"/>
+          <p:cNvSpPr>
+            <a:spLocks noGrp="1"/>
+          </p:cNvSpPr>
+          <p:nvPr>
+            <p:ph type="body" idx="1"/>
+          </p:nvPr>
+        </p:nvSpPr>
+        <p:spPr/>
+        <p:txBody>
+          <a:bodyPr/>
+          <a:lstStyle/>
+          <a:p>
+            <a:r>
+              <a:rPr lang="fr-FR" dirty="0"/>
+              <a:t>Finir pour 6mn30 environ</a:t>
+            </a:r>
+          </a:p>
+        </p:txBody>
+      </p:sp>
+      <p:sp>
+        <p:nvSpPr>
+          <p:cNvPr id="4" name="Espace réservé du pied de page 3"/>
+          <p:cNvSpPr>
+            <a:spLocks noGrp="1"/>
+          </p:cNvSpPr>
+          <p:nvPr>
+            <p:ph type="ftr" sz="quarter" idx="4"/>
+          </p:nvPr>
+        </p:nvSpPr>
+        <p:spPr/>
+        <p:txBody>
+          <a:bodyPr/>
+          <a:lstStyle/>
+          <a:p>
+            <a:r>
+              <a:rPr lang="fr-FR"/>
+              <a:t>By Dorian VOYDIE, Thomas FRAMERY, Yoann MAAREK</a:t>
+            </a:r>
+          </a:p>
+        </p:txBody>
+      </p:sp>
+      <p:sp>
+        <p:nvSpPr>
+          <p:cNvPr id="5" name="Espace réservé du numéro de diapositive 4"/>
+          <p:cNvSpPr>
+            <a:spLocks noGrp="1"/>
+          </p:cNvSpPr>
+          <p:nvPr>
+            <p:ph type="sldNum" sz="quarter" idx="5"/>
+          </p:nvPr>
+        </p:nvSpPr>
+        <p:spPr/>
+        <p:txBody>
+          <a:bodyPr/>
+          <a:lstStyle/>
+          <a:p>
+            <a:fld id="{11529CA6-0AC6-1D4C-8435-2CEE69F4CE0D}" type="slidenum">
+              <a:rPr lang="fr-FR" smtClean="0"/>
+              <a:t>10</a:t>
+            </a:fld>
+            <a:endParaRPr lang="fr-FR"/>
+          </a:p>
+        </p:txBody>
+      </p:sp>
+    </p:spTree>
+    <p:extLst>
+      <p:ext uri="{BB962C8B-B14F-4D97-AF65-F5344CB8AC3E}">
+        <p14:creationId xmlns:p14="http://schemas.microsoft.com/office/powerpoint/2010/main" val="1556761029"/>
+      </p:ext>
+    </p:extLst>
+  </p:cSld>
+  <p:clrMapOvr>
+    <a:masterClrMapping/>
+  </p:clrMapOvr>
+</p:notes>
+</file>
+
+<file path=ppt/notesSlides/notesSlide5.xml><?xml version="1.0" encoding="utf-8"?>
+<p:notes xmlns:a="http://schemas.openxmlformats.org/drawingml/2006/main" xmlns:r="http://schemas.openxmlformats.org/officeDocument/2006/relationships" xmlns:p="http://schemas.openxmlformats.org/presentationml/2006/main">
+  <p:cSld>
+    <p:spTree>
+      <p:nvGrpSpPr>
+        <p:cNvPr id="1" name=""/>
+        <p:cNvGrpSpPr/>
+        <p:nvPr/>
+      </p:nvGrpSpPr>
+      <p:grpSpPr>
+        <a:xfrm>
+          <a:off x="0" y="0"/>
+          <a:ext cx="0" cy="0"/>
+          <a:chOff x="0" y="0"/>
+          <a:chExt cx="0" cy="0"/>
+        </a:xfrm>
+      </p:grpSpPr>
+      <p:sp>
+        <p:nvSpPr>
+          <p:cNvPr id="2" name="Espace réservé de l'image des diapositives 1"/>
+          <p:cNvSpPr>
+            <a:spLocks noGrp="1" noRot="1" noChangeAspect="1"/>
+          </p:cNvSpPr>
+          <p:nvPr>
+            <p:ph type="sldImg"/>
+          </p:nvPr>
+        </p:nvSpPr>
+        <p:spPr/>
+      </p:sp>
+      <p:sp>
+        <p:nvSpPr>
+          <p:cNvPr id="3" name="Espace réservé des notes 2"/>
+          <p:cNvSpPr>
+            <a:spLocks noGrp="1"/>
+          </p:cNvSpPr>
+          <p:nvPr>
+            <p:ph type="body" idx="1"/>
+          </p:nvPr>
+        </p:nvSpPr>
+        <p:spPr/>
+        <p:txBody>
+          <a:bodyPr/>
+          <a:lstStyle/>
+          <a:p>
+            <a:r>
+              <a:rPr lang="fr-FR" dirty="0"/>
+              <a:t>Dorian parle</a:t>
+            </a:r>
+          </a:p>
+          <a:p>
+            <a:r>
+              <a:rPr lang="fr-FR" dirty="0"/>
+              <a:t>6mn30</a:t>
+            </a:r>
+          </a:p>
+        </p:txBody>
+      </p:sp>
+      <p:sp>
+        <p:nvSpPr>
+          <p:cNvPr id="4" name="Espace réservé du pied de page 3"/>
+          <p:cNvSpPr>
+            <a:spLocks noGrp="1"/>
+          </p:cNvSpPr>
+          <p:nvPr>
+            <p:ph type="ftr" sz="quarter" idx="4"/>
+          </p:nvPr>
+        </p:nvSpPr>
+        <p:spPr/>
+        <p:txBody>
+          <a:bodyPr/>
+          <a:lstStyle/>
+          <a:p>
+            <a:r>
+              <a:rPr lang="fr-FR"/>
+              <a:t>By Dorian VOYDIE, Thomas FRAMERY, Yoann MAAREK</a:t>
+            </a:r>
+          </a:p>
+        </p:txBody>
+      </p:sp>
+      <p:sp>
+        <p:nvSpPr>
+          <p:cNvPr id="5" name="Espace réservé du numéro de diapositive 4"/>
+          <p:cNvSpPr>
+            <a:spLocks noGrp="1"/>
+          </p:cNvSpPr>
+          <p:nvPr>
+            <p:ph type="sldNum" sz="quarter" idx="5"/>
+          </p:nvPr>
+        </p:nvSpPr>
+        <p:spPr/>
+        <p:txBody>
+          <a:bodyPr/>
+          <a:lstStyle/>
+          <a:p>
+            <a:fld id="{11529CA6-0AC6-1D4C-8435-2CEE69F4CE0D}" type="slidenum">
+              <a:rPr lang="fr-FR" smtClean="0"/>
+              <a:t>11</a:t>
+            </a:fld>
+            <a:endParaRPr lang="fr-FR"/>
+          </a:p>
+        </p:txBody>
+      </p:sp>
+    </p:spTree>
+    <p:extLst>
+      <p:ext uri="{BB962C8B-B14F-4D97-AF65-F5344CB8AC3E}">
+        <p14:creationId xmlns:p14="http://schemas.microsoft.com/office/powerpoint/2010/main" val="1733616548"/>
+      </p:ext>
+    </p:extLst>
+  </p:cSld>
+  <p:clrMapOvr>
+    <a:masterClrMapping/>
+  </p:clrMapOvr>
+</p:notes>
 </file>
 
 <file path=ppt/slideLayouts/slideLayout1.xml><?xml version="1.0" encoding="utf-8"?>
@@ -7244,7 +7830,7 @@
           </p:nvPr>
         </p:nvPicPr>
         <p:blipFill>
-          <a:blip r:embed="rId2">
+          <a:blip r:embed="rId3">
             <a:extLst>
               <a:ext uri="{28A0092B-C50C-407E-A947-70E740481C1C}">
                 <a14:useLocalDpi xmlns:a14="http://schemas.microsoft.com/office/drawing/2010/main" val="0"/>
@@ -7498,7 +8084,7 @@
           <p:nvPr/>
         </p:nvPicPr>
         <p:blipFill rotWithShape="1">
-          <a:blip r:embed="rId2"/>
+          <a:blip r:embed="rId3"/>
           <a:srcRect l="885" t="5978" r="1094"/>
           <a:stretch/>
         </p:blipFill>
@@ -7535,7 +8121,7 @@
           <p:nvPr/>
         </p:nvPicPr>
         <p:blipFill rotWithShape="1">
-          <a:blip r:embed="rId3"/>
+          <a:blip r:embed="rId4"/>
           <a:srcRect t="5953"/>
           <a:stretch/>
         </p:blipFill>
@@ -8204,7 +8790,7 @@
           <a:lstStyle/>
           <a:p>
             <a:r>
-              <a:rPr lang="fr-FR"/>
+              <a:rPr lang="fr-FR" dirty="0"/>
               <a:t>By Dorian VOYDIE, Thomas FRAMERY, Yoann MAAREK</a:t>
             </a:r>
           </a:p>
@@ -8253,8 +8839,8 @@
         </p:nvSpPr>
         <p:spPr>
           <a:xfrm>
-            <a:off x="205273" y="1880919"/>
-            <a:ext cx="11781454" cy="3693319"/>
+            <a:off x="0" y="1880919"/>
+            <a:ext cx="12192000" cy="3693319"/>
           </a:xfrm>
           <a:prstGeom prst="rect">
             <a:avLst/>
@@ -8296,7 +8882,11 @@
               <a:t>(</a:t>
             </a:r>
             <a:r>
-              <a:rPr lang="fr-FR" dirty="0" err="1"/>
+              <a:rPr lang="fr-FR" dirty="0" err="1">
+                <a:solidFill>
+                  <a:srgbClr val="FF0000"/>
+                </a:solidFill>
+              </a:rPr>
               <a:t>BatchNormalization</a:t>
             </a:r>
             <a:r>
@@ -8347,7 +8937,19 @@
             </a:r>
             <a:r>
               <a:rPr lang="fr-FR" dirty="0"/>
-              <a:t>(Dropout(0.3))</a:t>
+              <a:t>(</a:t>
+            </a:r>
+            <a:r>
+              <a:rPr lang="fr-FR" dirty="0">
+                <a:solidFill>
+                  <a:srgbClr val="FF0000"/>
+                </a:solidFill>
+              </a:rPr>
+              <a:t>Dropout</a:t>
+            </a:r>
+            <a:r>
+              <a:rPr lang="fr-FR" dirty="0"/>
+              <a:t>(0.3))</a:t>
             </a:r>
           </a:p>
           <a:p>
@@ -8423,6 +9025,64 @@
               <a:t>', </a:t>
             </a:r>
             <a:r>
+              <a:rPr lang="fr-FR" dirty="0" err="1">
+                <a:solidFill>
+                  <a:srgbClr val="FF0000"/>
+                </a:solidFill>
+              </a:rPr>
+              <a:t>kernel_regularizer</a:t>
+            </a:r>
+            <a:r>
+              <a:rPr lang="fr-FR" dirty="0">
+                <a:solidFill>
+                  <a:srgbClr val="FF0000"/>
+                </a:solidFill>
+              </a:rPr>
+              <a:t>=regularizers.l1(0.001)</a:t>
+            </a:r>
+            <a:r>
+              <a:rPr lang="fr-FR" dirty="0"/>
+              <a:t>))</a:t>
+            </a:r>
+          </a:p>
+          <a:p>
+            <a:pPr algn="just"/>
+            <a:r>
+              <a:rPr lang="fr-FR" dirty="0" err="1"/>
+              <a:t>ann.add</a:t>
+            </a:r>
+            <a:r>
+              <a:rPr lang="fr-FR" dirty="0"/>
+              <a:t>(Dropout(0.3))</a:t>
+            </a:r>
+          </a:p>
+          <a:p>
+            <a:pPr algn="just"/>
+            <a:r>
+              <a:rPr lang="fr-FR" dirty="0" err="1"/>
+              <a:t>ann.add</a:t>
+            </a:r>
+            <a:r>
+              <a:rPr lang="fr-FR" dirty="0"/>
+              <a:t>(Dense(128, activation="relu", </a:t>
+            </a:r>
+            <a:r>
+              <a:rPr lang="fr-FR" dirty="0" err="1"/>
+              <a:t>kernel_initializer</a:t>
+            </a:r>
+            <a:r>
+              <a:rPr lang="fr-FR" dirty="0"/>
+              <a:t>='</a:t>
+            </a:r>
+            <a:r>
+              <a:rPr lang="fr-FR" dirty="0" err="1"/>
+              <a:t>he_normal</a:t>
+            </a:r>
+            <a:r>
+              <a:rPr lang="fr-FR" dirty="0"/>
+              <a:t>', </a:t>
+            </a:r>
+            <a:r>
               <a:rPr lang="fr-FR" dirty="0" err="1"/>
               <a:t>kernel_regularizer</a:t>
             </a:r>
@@ -8439,22 +9099,101 @@
             </a:r>
             <a:r>
               <a:rPr lang="fr-FR" dirty="0"/>
-              <a:t>(Dropout(0.3))</a:t>
+              <a:t>(Dense(1))</a:t>
             </a:r>
           </a:p>
           <a:p>
             <a:pPr algn="just"/>
             <a:r>
+              <a:rPr lang="fr-FR" dirty="0"/>
+              <a:t>callback = </a:t>
+            </a:r>
+            <a:r>
               <a:rPr lang="fr-FR" dirty="0" err="1"/>
-              <a:t>ann.add</a:t>
+              <a:t>tf.keras.callbacks.</a:t>
+            </a:r>
+            <a:r>
+              <a:rPr lang="fr-FR" dirty="0" err="1">
+                <a:solidFill>
+                  <a:srgbClr val="FF0000"/>
+                </a:solidFill>
+              </a:rPr>
+              <a:t>EarlyStopping</a:t>
             </a:r>
             <a:r>
               <a:rPr lang="fr-FR" dirty="0"/>
-              <a:t>(Dense(128, activation="relu", </a:t>
-            </a:r>
+              <a:t>(monitor=</a:t>
+            </a:r>
+            <a:r>
+              <a:rPr lang="fr-FR" dirty="0">
+                <a:solidFill>
+                  <a:srgbClr val="FF0000"/>
+                </a:solidFill>
+              </a:rPr>
+              <a:t>'</a:t>
+            </a:r>
+            <a:r>
+              <a:rPr lang="fr-FR" dirty="0" err="1">
+                <a:solidFill>
+                  <a:srgbClr val="FF0000"/>
+                </a:solidFill>
+              </a:rPr>
+              <a:t>val_loss</a:t>
+            </a:r>
+            <a:r>
+              <a:rPr lang="fr-FR" dirty="0"/>
+              <a:t>', patience=40)</a:t>
+            </a:r>
+          </a:p>
+          <a:p>
+            <a:pPr algn="just"/>
             <a:r>
               <a:rPr lang="fr-FR" dirty="0" err="1"/>
-              <a:t>kernel_initializer</a:t>
+              <a:t>ann.compile</a:t>
+            </a:r>
+            <a:r>
+              <a:rPr lang="fr-FR" dirty="0"/>
+              <a:t>(</a:t>
+            </a:r>
+            <a:r>
+              <a:rPr lang="fr-FR" dirty="0" err="1"/>
+              <a:t>loss</a:t>
+            </a:r>
+            <a:r>
+              <a:rPr lang="fr-FR" dirty="0"/>
+              <a:t>=</a:t>
+            </a:r>
+            <a:r>
+              <a:rPr lang="fr-FR" dirty="0">
+                <a:solidFill>
+                  <a:srgbClr val="FF0000"/>
+                </a:solidFill>
+              </a:rPr>
+              <a:t>'</a:t>
+            </a:r>
+            <a:r>
+              <a:rPr lang="fr-FR" dirty="0" err="1">
+                <a:solidFill>
+                  <a:srgbClr val="FF0000"/>
+                </a:solidFill>
+              </a:rPr>
+              <a:t>mean_absolute_percentage_error</a:t>
+            </a:r>
+            <a:r>
+              <a:rPr lang="fr-FR" dirty="0">
+                <a:solidFill>
+                  <a:srgbClr val="FF0000"/>
+                </a:solidFill>
+              </a:rPr>
+              <a:t>'</a:t>
+            </a:r>
+            <a:r>
+              <a:rPr lang="fr-FR" dirty="0"/>
+              <a:t>, </a:t>
+            </a:r>
+            <a:r>
+              <a:rPr lang="fr-FR" dirty="0" err="1"/>
+              <a:t>optimizer</a:t>
             </a:r>
             <a:r>
               <a:rPr lang="fr-FR" dirty="0"/>
@@ -8462,37 +9201,42 @@
             </a:r>
             <a:r>
               <a:rPr lang="fr-FR" dirty="0" err="1"/>
-              <a:t>he_normal</a:t>
+              <a:t>adam</a:t>
             </a:r>
             <a:r>
               <a:rPr lang="fr-FR" dirty="0"/>
-              <a:t>', </a:t>
+              <a:t>’, </a:t>
             </a:r>
             <a:r>
               <a:rPr lang="fr-FR" dirty="0" err="1"/>
-              <a:t>kernel_regularizer</a:t>
+              <a:t>metrics</a:t>
             </a:r>
             <a:r>
               <a:rPr lang="fr-FR" dirty="0"/>
-              <a:t>=regularizers.l1(0.001)))</a:t>
+              <a:t>=['</a:t>
+            </a:r>
+            <a:r>
+              <a:rPr lang="fr-FR" dirty="0" err="1"/>
+              <a:t>mean_absolute_percentage_error</a:t>
+            </a:r>
+            <a:r>
+              <a:rPr lang="fr-FR" dirty="0"/>
+              <a:t>'])</a:t>
             </a:r>
           </a:p>
           <a:p>
             <a:pPr algn="just"/>
             <a:r>
               <a:rPr lang="fr-FR" dirty="0" err="1"/>
-              <a:t>ann.add</a:t>
+              <a:t>history</a:t>
             </a:r>
             <a:r>
               <a:rPr lang="fr-FR" dirty="0"/>
-              <a:t>(Dense(1))</a:t>
-            </a:r>
-          </a:p>
-          <a:p>
-            <a:pPr algn="just"/>
+              <a:t> = </a:t>
+            </a:r>
             <a:r>
               <a:rPr lang="fr-FR" dirty="0" err="1"/>
-              <a:t>ann.compile</a:t>
+              <a:t>ann.fit</a:t>
             </a:r>
             <a:r>
               <a:rPr lang="fr-FR" dirty="0"/>
@@ -8500,73 +9244,6 @@
             </a:r>
             <a:r>
               <a:rPr lang="fr-FR" dirty="0" err="1"/>
-              <a:t>loss</a:t>
-            </a:r>
-            <a:r>
-              <a:rPr lang="fr-FR" dirty="0"/>
-              <a:t>='</a:t>
-            </a:r>
-            <a:r>
-              <a:rPr lang="fr-FR" dirty="0" err="1"/>
-              <a:t>mean_absolute_percentage_error</a:t>
-            </a:r>
-            <a:r>
-              <a:rPr lang="fr-FR" dirty="0"/>
-              <a:t>', </a:t>
-            </a:r>
-            <a:r>
-              <a:rPr lang="fr-FR" dirty="0" err="1"/>
-              <a:t>optimizer</a:t>
-            </a:r>
-            <a:r>
-              <a:rPr lang="fr-FR" dirty="0"/>
-              <a:t>='</a:t>
-            </a:r>
-            <a:r>
-              <a:rPr lang="fr-FR" dirty="0" err="1"/>
-              <a:t>adam</a:t>
-            </a:r>
-            <a:r>
-              <a:rPr lang="fr-FR" dirty="0"/>
-              <a:t>’, </a:t>
-            </a:r>
-            <a:r>
-              <a:rPr lang="fr-FR" dirty="0" err="1"/>
-              <a:t>metrics</a:t>
-            </a:r>
-            <a:r>
-              <a:rPr lang="fr-FR" dirty="0"/>
-              <a:t>=['</a:t>
-            </a:r>
-            <a:r>
-              <a:rPr lang="fr-FR" dirty="0" err="1"/>
-              <a:t>mean_absolute_percentage_error</a:t>
-            </a:r>
-            <a:r>
-              <a:rPr lang="fr-FR" dirty="0"/>
-              <a:t>'])</a:t>
-            </a:r>
-          </a:p>
-          <a:p>
-            <a:pPr algn="just"/>
-            <a:r>
-              <a:rPr lang="fr-FR" dirty="0" err="1"/>
-              <a:t>history</a:t>
-            </a:r>
-            <a:r>
-              <a:rPr lang="fr-FR" dirty="0"/>
-              <a:t> = </a:t>
-            </a:r>
-            <a:r>
-              <a:rPr lang="fr-FR" dirty="0" err="1"/>
-              <a:t>ann.fit</a:t>
-            </a:r>
-            <a:r>
-              <a:rPr lang="fr-FR" dirty="0"/>
-              <a:t>(</a:t>
-            </a:r>
-            <a:r>
-              <a:rPr lang="fr-FR" dirty="0" err="1"/>
               <a:t>X_train,y_train,epochs</a:t>
             </a:r>
             <a:r>
@@ -8591,24 +9268,12 @@
             </a:r>
             <a:r>
               <a:rPr lang="fr-FR" dirty="0" err="1"/>
-              <a:t>X_val</a:t>
+              <a:t>X_val,y_val</a:t>
             </a:r>
             <a:r>
               <a:rPr lang="fr-FR" dirty="0"/>
-              <a:t>, </a:t>
-            </a:r>
-            <a:r>
-              <a:rPr lang="fr-FR" dirty="0" err="1"/>
-              <a:t>y_val</a:t>
-            </a:r>
-            <a:r>
-              <a:rPr lang="fr-FR" dirty="0"/>
-              <a:t>))</a:t>
-            </a:r>
-          </a:p>
-          <a:p>
-            <a:pPr algn="just"/>
-            <a:endParaRPr lang="fr-FR" dirty="0"/>
+              <a:t>), callbacks=[callback])</a:t>
+            </a:r>
           </a:p>
         </p:txBody>
       </p:sp>
@@ -9365,7 +10030,7 @@
           <p:nvPr/>
         </p:nvPicPr>
         <p:blipFill>
-          <a:blip r:embed="rId2">
+          <a:blip r:embed="rId3">
             <a:extLst>
               <a:ext uri="{28A0092B-C50C-407E-A947-70E740481C1C}">
                 <a14:useLocalDpi xmlns:a14="http://schemas.microsoft.com/office/drawing/2010/main" val="0"/>
@@ -9392,72 +10057,6 @@
             <a:extLst>
               <a:ext uri="{FF2B5EF4-FFF2-40B4-BE49-F238E27FC236}">
                 <a16:creationId xmlns:a16="http://schemas.microsoft.com/office/drawing/2014/main" id="{B098CE70-B980-084B-A0CB-10FF472414F1}"/>
-              </a:ext>
-            </a:extLst>
-          </p:cNvPr>
-          <p:cNvPicPr>
-            <a:picLocks noChangeAspect="1"/>
-          </p:cNvPicPr>
-          <p:nvPr/>
-        </p:nvPicPr>
-        <p:blipFill>
-          <a:blip r:embed="rId3"/>
-          <a:stretch>
-            <a:fillRect/>
-          </a:stretch>
-        </p:blipFill>
-        <p:spPr>
-          <a:xfrm>
-            <a:off x="206109" y="3243383"/>
-            <a:ext cx="6055472" cy="929823"/>
-          </a:xfrm>
-          <a:prstGeom prst="rect">
-            <a:avLst/>
-          </a:prstGeom>
-        </p:spPr>
-      </p:pic>
-      <p:sp>
-        <p:nvSpPr>
-          <p:cNvPr id="12" name="ZoneTexte 11">
-            <a:extLst>
-              <a:ext uri="{FF2B5EF4-FFF2-40B4-BE49-F238E27FC236}">
-                <a16:creationId xmlns:a16="http://schemas.microsoft.com/office/drawing/2014/main" id="{22C4B58E-357B-4441-8CE4-EB75EA19794A}"/>
-              </a:ext>
-            </a:extLst>
-          </p:cNvPr>
-          <p:cNvSpPr txBox="1"/>
-          <p:nvPr/>
-        </p:nvSpPr>
-        <p:spPr>
-          <a:xfrm>
-            <a:off x="2472852" y="1103711"/>
-            <a:ext cx="1101458" cy="369332"/>
-          </a:xfrm>
-          <a:prstGeom prst="rect">
-            <a:avLst/>
-          </a:prstGeom>
-          <a:noFill/>
-        </p:spPr>
-        <p:txBody>
-          <a:bodyPr wrap="square" rtlCol="0">
-            <a:spAutoFit/>
-          </a:bodyPr>
-          <a:lstStyle/>
-          <a:p>
-            <a:r>
-              <a:rPr lang="fr-FR" i="1" u="sng" dirty="0" err="1"/>
-              <a:t>X_train</a:t>
-            </a:r>
-            <a:endParaRPr lang="fr-FR" i="1" u="sng" dirty="0"/>
-          </a:p>
-        </p:txBody>
-      </p:sp>
-      <p:pic>
-        <p:nvPicPr>
-          <p:cNvPr id="13" name="Image 12">
-            <a:extLst>
-              <a:ext uri="{FF2B5EF4-FFF2-40B4-BE49-F238E27FC236}">
-                <a16:creationId xmlns:a16="http://schemas.microsoft.com/office/drawing/2014/main" id="{3E7CC783-E205-4940-B873-6045C11C45C8}"/>
               </a:ext>
             </a:extLst>
           </p:cNvPr>
@@ -9474,8 +10073,8 @@
         </p:blipFill>
         <p:spPr>
           <a:xfrm>
-            <a:off x="1046087" y="4757342"/>
-            <a:ext cx="4177003" cy="1823597"/>
+            <a:off x="206109" y="3243383"/>
+            <a:ext cx="6055472" cy="929823"/>
           </a:xfrm>
           <a:prstGeom prst="rect">
             <a:avLst/>
@@ -9484,10 +10083,10 @@
       </p:pic>
       <p:sp>
         <p:nvSpPr>
-          <p:cNvPr id="15" name="ZoneTexte 14">
+          <p:cNvPr id="12" name="ZoneTexte 11">
             <a:extLst>
               <a:ext uri="{FF2B5EF4-FFF2-40B4-BE49-F238E27FC236}">
-                <a16:creationId xmlns:a16="http://schemas.microsoft.com/office/drawing/2014/main" id="{FA939B25-3C1D-054D-892D-06E578C72A0A}"/>
+                <a16:creationId xmlns:a16="http://schemas.microsoft.com/office/drawing/2014/main" id="{22C4B58E-357B-4441-8CE4-EB75EA19794A}"/>
               </a:ext>
             </a:extLst>
           </p:cNvPr>
@@ -9496,8 +10095,8 @@
         </p:nvSpPr>
         <p:spPr>
           <a:xfrm>
-            <a:off x="8254224" y="1103711"/>
-            <a:ext cx="2298697" cy="369332"/>
+            <a:off x="2472852" y="1103711"/>
+            <a:ext cx="1101458" cy="369332"/>
           </a:xfrm>
           <a:prstGeom prst="rect">
             <a:avLst/>
@@ -9512,22 +10111,48 @@
           <a:p>
             <a:r>
               <a:rPr lang="fr-FR" i="1" u="sng" dirty="0" err="1"/>
-              <a:t>Y_train</a:t>
-            </a:r>
-            <a:r>
-              <a:rPr lang="fr-FR" i="1" dirty="0"/>
-              <a:t> (Ground_truth)</a:t>
+              <a:t>X_train</a:t>
             </a:r>
             <a:endParaRPr lang="fr-FR" i="1" u="sng" dirty="0"/>
           </a:p>
         </p:txBody>
       </p:sp>
-      <p:sp>
-        <p:nvSpPr>
-          <p:cNvPr id="18" name="ZoneTexte 17">
+      <p:pic>
+        <p:nvPicPr>
+          <p:cNvPr id="13" name="Image 12">
             <a:extLst>
               <a:ext uri="{FF2B5EF4-FFF2-40B4-BE49-F238E27FC236}">
-                <a16:creationId xmlns:a16="http://schemas.microsoft.com/office/drawing/2014/main" id="{CC2674A8-4B24-6948-8EDE-611C1F63BAD8}"/>
+                <a16:creationId xmlns:a16="http://schemas.microsoft.com/office/drawing/2014/main" id="{3E7CC783-E205-4940-B873-6045C11C45C8}"/>
+              </a:ext>
+            </a:extLst>
+          </p:cNvPr>
+          <p:cNvPicPr>
+            <a:picLocks noChangeAspect="1"/>
+          </p:cNvPicPr>
+          <p:nvPr/>
+        </p:nvPicPr>
+        <p:blipFill>
+          <a:blip r:embed="rId5"/>
+          <a:stretch>
+            <a:fillRect/>
+          </a:stretch>
+        </p:blipFill>
+        <p:spPr>
+          <a:xfrm>
+            <a:off x="1046087" y="4567366"/>
+            <a:ext cx="4177003" cy="1823597"/>
+          </a:xfrm>
+          <a:prstGeom prst="rect">
+            <a:avLst/>
+          </a:prstGeom>
+        </p:spPr>
+      </p:pic>
+      <p:sp>
+        <p:nvSpPr>
+          <p:cNvPr id="15" name="ZoneTexte 14">
+            <a:extLst>
+              <a:ext uri="{FF2B5EF4-FFF2-40B4-BE49-F238E27FC236}">
+                <a16:creationId xmlns:a16="http://schemas.microsoft.com/office/drawing/2014/main" id="{FA939B25-3C1D-054D-892D-06E578C72A0A}"/>
               </a:ext>
             </a:extLst>
           </p:cNvPr>
@@ -9536,7 +10161,47 @@
         </p:nvSpPr>
         <p:spPr>
           <a:xfrm>
-            <a:off x="2102580" y="4342083"/>
+            <a:off x="8254224" y="1103711"/>
+            <a:ext cx="2298697" cy="369332"/>
+          </a:xfrm>
+          <a:prstGeom prst="rect">
+            <a:avLst/>
+          </a:prstGeom>
+          <a:noFill/>
+        </p:spPr>
+        <p:txBody>
+          <a:bodyPr wrap="square" rtlCol="0">
+            <a:spAutoFit/>
+          </a:bodyPr>
+          <a:lstStyle/>
+          <a:p>
+            <a:r>
+              <a:rPr lang="fr-FR" i="1" u="sng" dirty="0" err="1"/>
+              <a:t>Y_train</a:t>
+            </a:r>
+            <a:r>
+              <a:rPr lang="fr-FR" i="1" dirty="0"/>
+              <a:t> (Ground_truth)</a:t>
+            </a:r>
+            <a:endParaRPr lang="fr-FR" i="1" u="sng" dirty="0"/>
+          </a:p>
+        </p:txBody>
+      </p:sp>
+      <p:sp>
+        <p:nvSpPr>
+          <p:cNvPr id="18" name="ZoneTexte 17">
+            <a:extLst>
+              <a:ext uri="{FF2B5EF4-FFF2-40B4-BE49-F238E27FC236}">
+                <a16:creationId xmlns:a16="http://schemas.microsoft.com/office/drawing/2014/main" id="{CC2674A8-4B24-6948-8EDE-611C1F63BAD8}"/>
+              </a:ext>
+            </a:extLst>
+          </p:cNvPr>
+          <p:cNvSpPr txBox="1"/>
+          <p:nvPr/>
+        </p:nvSpPr>
+        <p:spPr>
+          <a:xfrm>
+            <a:off x="2102580" y="4152107"/>
             <a:ext cx="2404095" cy="369332"/>
           </a:xfrm>
           <a:prstGeom prst="rect">
@@ -9622,7 +10287,7 @@
         </p:nvCxnSpPr>
         <p:spPr>
           <a:xfrm rot="16200000" flipH="1">
-            <a:off x="336716" y="4875011"/>
+            <a:off x="336716" y="4738302"/>
             <a:ext cx="912695" cy="221597"/>
           </a:xfrm>
           <a:prstGeom prst="bentConnector3">
@@ -9700,7 +10365,7 @@
           <p:nvPr/>
         </p:nvPicPr>
         <p:blipFill>
-          <a:blip r:embed="rId5"/>
+          <a:blip r:embed="rId6"/>
           <a:stretch>
             <a:fillRect/>
           </a:stretch>
@@ -9730,7 +10395,7 @@
           <p:nvPr/>
         </p:nvPicPr>
         <p:blipFill>
-          <a:blip r:embed="rId6"/>
+          <a:blip r:embed="rId7"/>
           <a:stretch>
             <a:fillRect/>
           </a:stretch>
@@ -9808,7 +10473,7 @@
           <a:lstStyle/>
           <a:p>
             <a:r>
-              <a:rPr lang="fr-FR"/>
+              <a:rPr lang="fr-FR" dirty="0"/>
               <a:t>By Dorian VOYDIE, Thomas FRAMERY, Yoann MAAREK</a:t>
             </a:r>
           </a:p>
@@ -11944,7 +12609,7 @@
           <p:nvPr/>
         </p:nvPicPr>
         <p:blipFill>
-          <a:blip r:embed="rId2"/>
+          <a:blip r:embed="rId3"/>
           <a:stretch>
             <a:fillRect/>
           </a:stretch>
@@ -11974,7 +12639,7 @@
           <p:nvPr/>
         </p:nvPicPr>
         <p:blipFill>
-          <a:blip r:embed="rId3"/>
+          <a:blip r:embed="rId4"/>
           <a:stretch>
             <a:fillRect/>
           </a:stretch>
@@ -12434,7 +13099,7 @@
           </p:nvPr>
         </p:nvPicPr>
         <p:blipFill>
-          <a:blip r:embed="rId2"/>
+          <a:blip r:embed="rId3"/>
           <a:stretch>
             <a:fillRect/>
           </a:stretch>

--- a/Presentation.pptx
+++ b/Presentation.pptx
@@ -981,6 +981,15 @@
               <a:t>3mn30</a:t>
             </a:r>
           </a:p>
+          <a:p>
+            <a:endParaRPr lang="fr-FR" dirty="0"/>
+          </a:p>
+          <a:p>
+            <a:r>
+              <a:rPr lang="fr-FR" dirty="0"/>
+              <a:t>MAPE aux alentours de 100 la plupart du temps, box plutôt serré</a:t>
+            </a:r>
+          </a:p>
         </p:txBody>
       </p:sp>
       <p:sp>
@@ -1087,6 +1096,414 @@
           <a:p>
             <a:r>
               <a:rPr lang="fr-FR" dirty="0"/>
+              <a:t>Au début seulement 2D, fichier en 3dim (</a:t>
+            </a:r>
+            <a:r>
+              <a:rPr lang="fr-FR" dirty="0" err="1"/>
+              <a:t>coord</a:t>
+            </a:r>
+            <a:r>
+              <a:rPr lang="fr-FR" dirty="0"/>
+              <a:t>, heure) récupération en fonction des coordonnées des stations, fichiers volumineux  </a:t>
+            </a:r>
+          </a:p>
+        </p:txBody>
+      </p:sp>
+      <p:sp>
+        <p:nvSpPr>
+          <p:cNvPr id="4" name="Espace réservé du pied de page 3"/>
+          <p:cNvSpPr>
+            <a:spLocks noGrp="1"/>
+          </p:cNvSpPr>
+          <p:nvPr>
+            <p:ph type="ftr" sz="quarter" idx="4"/>
+          </p:nvPr>
+        </p:nvSpPr>
+        <p:spPr/>
+        <p:txBody>
+          <a:bodyPr/>
+          <a:lstStyle/>
+          <a:p>
+            <a:r>
+              <a:rPr lang="fr-FR"/>
+              <a:t>By Dorian VOYDIE, Thomas FRAMERY, Yoann MAAREK</a:t>
+            </a:r>
+          </a:p>
+        </p:txBody>
+      </p:sp>
+      <p:sp>
+        <p:nvSpPr>
+          <p:cNvPr id="5" name="Espace réservé du numéro de diapositive 4"/>
+          <p:cNvSpPr>
+            <a:spLocks noGrp="1"/>
+          </p:cNvSpPr>
+          <p:nvPr>
+            <p:ph type="sldNum" sz="quarter" idx="5"/>
+          </p:nvPr>
+        </p:nvSpPr>
+        <p:spPr/>
+        <p:txBody>
+          <a:bodyPr/>
+          <a:lstStyle/>
+          <a:p>
+            <a:fld id="{11529CA6-0AC6-1D4C-8435-2CEE69F4CE0D}" type="slidenum">
+              <a:rPr lang="fr-FR" smtClean="0"/>
+              <a:t>7</a:t>
+            </a:fld>
+            <a:endParaRPr lang="fr-FR"/>
+          </a:p>
+        </p:txBody>
+      </p:sp>
+    </p:spTree>
+    <p:extLst>
+      <p:ext uri="{BB962C8B-B14F-4D97-AF65-F5344CB8AC3E}">
+        <p14:creationId xmlns:p14="http://schemas.microsoft.com/office/powerpoint/2010/main" val="3085518802"/>
+      </p:ext>
+    </p:extLst>
+  </p:cSld>
+  <p:clrMapOvr>
+    <a:masterClrMapping/>
+  </p:clrMapOvr>
+</p:notes>
+</file>
+
+<file path=ppt/notesSlides/notesSlide5.xml><?xml version="1.0" encoding="utf-8"?>
+<p:notes xmlns:a="http://schemas.openxmlformats.org/drawingml/2006/main" xmlns:r="http://schemas.openxmlformats.org/officeDocument/2006/relationships" xmlns:p="http://schemas.openxmlformats.org/presentationml/2006/main">
+  <p:cSld>
+    <p:spTree>
+      <p:nvGrpSpPr>
+        <p:cNvPr id="1" name=""/>
+        <p:cNvGrpSpPr/>
+        <p:nvPr/>
+      </p:nvGrpSpPr>
+      <p:grpSpPr>
+        <a:xfrm>
+          <a:off x="0" y="0"/>
+          <a:ext cx="0" cy="0"/>
+          <a:chOff x="0" y="0"/>
+          <a:chExt cx="0" cy="0"/>
+        </a:xfrm>
+      </p:grpSpPr>
+      <p:sp>
+        <p:nvSpPr>
+          <p:cNvPr id="2" name="Espace réservé de l'image des diapositives 1"/>
+          <p:cNvSpPr>
+            <a:spLocks noGrp="1" noRot="1" noChangeAspect="1"/>
+          </p:cNvSpPr>
+          <p:nvPr>
+            <p:ph type="sldImg"/>
+          </p:nvPr>
+        </p:nvSpPr>
+        <p:spPr/>
+      </p:sp>
+      <p:sp>
+        <p:nvSpPr>
+          <p:cNvPr id="3" name="Espace réservé des notes 2"/>
+          <p:cNvSpPr>
+            <a:spLocks noGrp="1"/>
+          </p:cNvSpPr>
+          <p:nvPr>
+            <p:ph type="body" idx="1"/>
+          </p:nvPr>
+        </p:nvSpPr>
+        <p:spPr/>
+        <p:txBody>
+          <a:bodyPr/>
+          <a:lstStyle/>
+          <a:p>
+            <a:r>
+              <a:rPr lang="fr-FR" dirty="0"/>
+              <a:t>Même principe que 2D mais ajout de la hauteur, en m puis en niveau isobare, </a:t>
+            </a:r>
+          </a:p>
+          <a:p>
+            <a:r>
+              <a:rPr lang="fr-FR" dirty="0"/>
+              <a:t>P3014 : </a:t>
+            </a:r>
+            <a:r>
+              <a:rPr lang="fr-FR" dirty="0" err="1"/>
+              <a:t>temperature</a:t>
+            </a:r>
+            <a:r>
+              <a:rPr lang="fr-FR" dirty="0"/>
+              <a:t> adiabatique</a:t>
+            </a:r>
+          </a:p>
+        </p:txBody>
+      </p:sp>
+      <p:sp>
+        <p:nvSpPr>
+          <p:cNvPr id="4" name="Espace réservé du pied de page 3"/>
+          <p:cNvSpPr>
+            <a:spLocks noGrp="1"/>
+          </p:cNvSpPr>
+          <p:nvPr>
+            <p:ph type="ftr" sz="quarter" idx="4"/>
+          </p:nvPr>
+        </p:nvSpPr>
+        <p:spPr/>
+        <p:txBody>
+          <a:bodyPr/>
+          <a:lstStyle/>
+          <a:p>
+            <a:r>
+              <a:rPr lang="fr-FR"/>
+              <a:t>By Dorian VOYDIE, Thomas FRAMERY, Yoann MAAREK</a:t>
+            </a:r>
+          </a:p>
+        </p:txBody>
+      </p:sp>
+      <p:sp>
+        <p:nvSpPr>
+          <p:cNvPr id="5" name="Espace réservé du numéro de diapositive 4"/>
+          <p:cNvSpPr>
+            <a:spLocks noGrp="1"/>
+          </p:cNvSpPr>
+          <p:nvPr>
+            <p:ph type="sldNum" sz="quarter" idx="5"/>
+          </p:nvPr>
+        </p:nvSpPr>
+        <p:spPr/>
+        <p:txBody>
+          <a:bodyPr/>
+          <a:lstStyle/>
+          <a:p>
+            <a:fld id="{11529CA6-0AC6-1D4C-8435-2CEE69F4CE0D}" type="slidenum">
+              <a:rPr lang="fr-FR" smtClean="0"/>
+              <a:t>8</a:t>
+            </a:fld>
+            <a:endParaRPr lang="fr-FR"/>
+          </a:p>
+        </p:txBody>
+      </p:sp>
+    </p:spTree>
+    <p:extLst>
+      <p:ext uri="{BB962C8B-B14F-4D97-AF65-F5344CB8AC3E}">
+        <p14:creationId xmlns:p14="http://schemas.microsoft.com/office/powerpoint/2010/main" val="2247345686"/>
+      </p:ext>
+    </p:extLst>
+  </p:cSld>
+  <p:clrMapOvr>
+    <a:masterClrMapping/>
+  </p:clrMapOvr>
+</p:notes>
+</file>
+
+<file path=ppt/notesSlides/notesSlide6.xml><?xml version="1.0" encoding="utf-8"?>
+<p:notes xmlns:a="http://schemas.openxmlformats.org/drawingml/2006/main" xmlns:r="http://schemas.openxmlformats.org/officeDocument/2006/relationships" xmlns:p="http://schemas.openxmlformats.org/presentationml/2006/main">
+  <p:cSld>
+    <p:spTree>
+      <p:nvGrpSpPr>
+        <p:cNvPr id="1" name=""/>
+        <p:cNvGrpSpPr/>
+        <p:nvPr/>
+      </p:nvGrpSpPr>
+      <p:grpSpPr>
+        <a:xfrm>
+          <a:off x="0" y="0"/>
+          <a:ext cx="0" cy="0"/>
+          <a:chOff x="0" y="0"/>
+          <a:chExt cx="0" cy="0"/>
+        </a:xfrm>
+      </p:grpSpPr>
+      <p:sp>
+        <p:nvSpPr>
+          <p:cNvPr id="2" name="Espace réservé de l'image des diapositives 1"/>
+          <p:cNvSpPr>
+            <a:spLocks noGrp="1" noRot="1" noChangeAspect="1"/>
+          </p:cNvSpPr>
+          <p:nvPr>
+            <p:ph type="sldImg"/>
+          </p:nvPr>
+        </p:nvSpPr>
+        <p:spPr/>
+      </p:sp>
+      <p:sp>
+        <p:nvSpPr>
+          <p:cNvPr id="3" name="Espace réservé des notes 2"/>
+          <p:cNvSpPr>
+            <a:spLocks noGrp="1"/>
+          </p:cNvSpPr>
+          <p:nvPr>
+            <p:ph type="body" idx="1"/>
+          </p:nvPr>
+        </p:nvSpPr>
+        <p:spPr/>
+        <p:txBody>
+          <a:bodyPr/>
+          <a:lstStyle/>
+          <a:p>
+            <a:r>
+              <a:rPr lang="fr-FR" dirty="0"/>
+              <a:t>A gauche rien de ouf, corrélations entre les temp et temp 3d par </a:t>
+            </a:r>
+            <a:r>
+              <a:rPr lang="fr-FR" dirty="0" err="1"/>
+              <a:t>exple</a:t>
+            </a:r>
+            <a:r>
+              <a:rPr lang="fr-FR" dirty="0"/>
+              <a:t>,</a:t>
+            </a:r>
+          </a:p>
+          <a:p>
+            <a:endParaRPr lang="fr-FR" dirty="0"/>
+          </a:p>
+          <a:p>
+            <a:r>
+              <a:rPr lang="fr-FR" dirty="0"/>
+              <a:t>A droite, </a:t>
+            </a:r>
+            <a:r>
+              <a:rPr lang="fr-FR" dirty="0" err="1"/>
+              <a:t>correlation</a:t>
+            </a:r>
+            <a:r>
+              <a:rPr lang="fr-FR" dirty="0"/>
+              <a:t> au max de 0,25 avec </a:t>
+            </a:r>
+            <a:r>
+              <a:rPr lang="fr-FR" dirty="0" err="1"/>
+              <a:t>precip</a:t>
+            </a:r>
+            <a:r>
+              <a:rPr lang="fr-FR" dirty="0"/>
+              <a:t> (logique) puis pas mal de param 3D (+ de précision que 2D) et </a:t>
+            </a:r>
+            <a:r>
+              <a:rPr lang="fr-FR" dirty="0" err="1"/>
+              <a:t>msl</a:t>
+            </a:r>
+            <a:r>
+              <a:rPr lang="fr-FR" dirty="0"/>
+              <a:t> (Pression)</a:t>
+            </a:r>
+          </a:p>
+        </p:txBody>
+      </p:sp>
+      <p:sp>
+        <p:nvSpPr>
+          <p:cNvPr id="4" name="Espace réservé du pied de page 3"/>
+          <p:cNvSpPr>
+            <a:spLocks noGrp="1"/>
+          </p:cNvSpPr>
+          <p:nvPr>
+            <p:ph type="ftr" sz="quarter" idx="4"/>
+          </p:nvPr>
+        </p:nvSpPr>
+        <p:spPr/>
+        <p:txBody>
+          <a:bodyPr/>
+          <a:lstStyle/>
+          <a:p>
+            <a:r>
+              <a:rPr lang="fr-FR"/>
+              <a:t>By Dorian VOYDIE, Thomas FRAMERY, Yoann MAAREK</a:t>
+            </a:r>
+          </a:p>
+        </p:txBody>
+      </p:sp>
+      <p:sp>
+        <p:nvSpPr>
+          <p:cNvPr id="5" name="Espace réservé du numéro de diapositive 4"/>
+          <p:cNvSpPr>
+            <a:spLocks noGrp="1"/>
+          </p:cNvSpPr>
+          <p:nvPr>
+            <p:ph type="sldNum" sz="quarter" idx="5"/>
+          </p:nvPr>
+        </p:nvSpPr>
+        <p:spPr/>
+        <p:txBody>
+          <a:bodyPr/>
+          <a:lstStyle/>
+          <a:p>
+            <a:fld id="{11529CA6-0AC6-1D4C-8435-2CEE69F4CE0D}" type="slidenum">
+              <a:rPr lang="fr-FR" smtClean="0"/>
+              <a:t>9</a:t>
+            </a:fld>
+            <a:endParaRPr lang="fr-FR"/>
+          </a:p>
+        </p:txBody>
+      </p:sp>
+    </p:spTree>
+    <p:extLst>
+      <p:ext uri="{BB962C8B-B14F-4D97-AF65-F5344CB8AC3E}">
+        <p14:creationId xmlns:p14="http://schemas.microsoft.com/office/powerpoint/2010/main" val="4148882549"/>
+      </p:ext>
+    </p:extLst>
+  </p:cSld>
+  <p:clrMapOvr>
+    <a:masterClrMapping/>
+  </p:clrMapOvr>
+</p:notes>
+</file>
+
+<file path=ppt/notesSlides/notesSlide7.xml><?xml version="1.0" encoding="utf-8"?>
+<p:notes xmlns:a="http://schemas.openxmlformats.org/drawingml/2006/main" xmlns:r="http://schemas.openxmlformats.org/officeDocument/2006/relationships" xmlns:p="http://schemas.openxmlformats.org/presentationml/2006/main">
+  <p:cSld>
+    <p:spTree>
+      <p:nvGrpSpPr>
+        <p:cNvPr id="1" name=""/>
+        <p:cNvGrpSpPr/>
+        <p:nvPr/>
+      </p:nvGrpSpPr>
+      <p:grpSpPr>
+        <a:xfrm>
+          <a:off x="0" y="0"/>
+          <a:ext cx="0" cy="0"/>
+          <a:chOff x="0" y="0"/>
+          <a:chExt cx="0" cy="0"/>
+        </a:xfrm>
+      </p:grpSpPr>
+      <p:sp>
+        <p:nvSpPr>
+          <p:cNvPr id="2" name="Espace réservé de l'image des diapositives 1"/>
+          <p:cNvSpPr>
+            <a:spLocks noGrp="1" noRot="1" noChangeAspect="1"/>
+          </p:cNvSpPr>
+          <p:nvPr>
+            <p:ph type="sldImg"/>
+          </p:nvPr>
+        </p:nvSpPr>
+        <p:spPr/>
+      </p:sp>
+      <p:sp>
+        <p:nvSpPr>
+          <p:cNvPr id="3" name="Espace réservé des notes 2"/>
+          <p:cNvSpPr>
+            <a:spLocks noGrp="1"/>
+          </p:cNvSpPr>
+          <p:nvPr>
+            <p:ph type="body" idx="1"/>
+          </p:nvPr>
+        </p:nvSpPr>
+        <p:spPr/>
+        <p:txBody>
+          <a:bodyPr/>
+          <a:lstStyle/>
+          <a:p>
+            <a:r>
+              <a:rPr lang="fr-FR" dirty="0" err="1"/>
+              <a:t>From</a:t>
+            </a:r>
+            <a:r>
+              <a:rPr lang="fr-FR" dirty="0"/>
+              <a:t> 100 to 50 sans les </a:t>
+            </a:r>
+            <a:r>
+              <a:rPr lang="fr-FR" dirty="0" err="1"/>
+              <a:t>outliers</a:t>
+            </a:r>
+            <a:endParaRPr lang="fr-FR" dirty="0"/>
+          </a:p>
+          <a:p>
+            <a:endParaRPr lang="fr-FR" dirty="0"/>
+          </a:p>
+          <a:p>
+            <a:r>
+              <a:rPr lang="fr-FR" dirty="0"/>
               <a:t>Finir pour 6mn30 environ</a:t>
             </a:r>
           </a:p>
@@ -1150,7 +1567,7 @@
 </p:notes>
 </file>
 
-<file path=ppt/notesSlides/notesSlide5.xml><?xml version="1.0" encoding="utf-8"?>
+<file path=ppt/notesSlides/notesSlide8.xml><?xml version="1.0" encoding="utf-8"?>
 <p:notes xmlns:a="http://schemas.openxmlformats.org/drawingml/2006/main" xmlns:r="http://schemas.openxmlformats.org/officeDocument/2006/relationships" xmlns:p="http://schemas.openxmlformats.org/presentationml/2006/main">
   <p:cSld>
     <p:spTree>
@@ -13315,7 +13732,7 @@
           <p:nvPr/>
         </p:nvPicPr>
         <p:blipFill>
-          <a:blip r:embed="rId2"/>
+          <a:blip r:embed="rId3"/>
           <a:stretch>
             <a:fillRect/>
           </a:stretch>
@@ -13530,7 +13947,7 @@
           <p:nvPr/>
         </p:nvPicPr>
         <p:blipFill>
-          <a:blip r:embed="rId2"/>
+          <a:blip r:embed="rId3"/>
           <a:stretch>
             <a:fillRect/>
           </a:stretch>
@@ -13768,7 +14185,7 @@
           <p:nvPr/>
         </p:nvPicPr>
         <p:blipFill>
-          <a:blip r:embed="rId2"/>
+          <a:blip r:embed="rId3"/>
           <a:stretch>
             <a:fillRect/>
           </a:stretch>
@@ -13798,7 +14215,7 @@
           <p:nvPr/>
         </p:nvPicPr>
         <p:blipFill>
-          <a:blip r:embed="rId3" cstate="print">
+          <a:blip r:embed="rId4" cstate="print">
             <a:extLst>
               <a:ext uri="{28A0092B-C50C-407E-A947-70E740481C1C}">
                 <a14:useLocalDpi xmlns:a14="http://schemas.microsoft.com/office/drawing/2010/main" val="0"/>

--- a/Presentation.pptx
+++ b/Presentation.pptx
@@ -165,6 +165,115 @@
 </p:presentation>
 </file>
 
+<file path=ppt/revisionInfo.xml><?xml version="1.0" encoding="utf-8"?>
+<p1510:revInfo xmlns:a="http://schemas.openxmlformats.org/drawingml/2006/main" xmlns:r="http://schemas.openxmlformats.org/officeDocument/2006/relationships" xmlns:p1510="http://schemas.microsoft.com/office/powerpoint/2015/10/main">
+  <p1510:revLst>
+    <p1510:client id="{0610B17A-81B2-40E0-9EED-3251CABDCEFF}" v="6" dt="2022-01-10T07:05:57.042"/>
+  </p1510:revLst>
+</p1510:revInfo>
+</file>
+
+<file path=ppt/changesInfos/changesInfo1.xml><?xml version="1.0" encoding="utf-8"?>
+<pc:chgInfo xmlns:a="http://schemas.openxmlformats.org/drawingml/2006/main" xmlns:r="http://schemas.openxmlformats.org/officeDocument/2006/relationships" xmlns:ac="http://schemas.microsoft.com/office/drawing/2013/main/command" xmlns:pc="http://schemas.microsoft.com/office/powerpoint/2013/main/command">
+  <pc:docChgLst>
+    <pc:chgData name="Dorian VOYDIE" userId="101e280354b7261f" providerId="LiveId" clId="{0610B17A-81B2-40E0-9EED-3251CABDCEFF}"/>
+    <pc:docChg chg="undo custSel modSld">
+      <pc:chgData name="Dorian VOYDIE" userId="101e280354b7261f" providerId="LiveId" clId="{0610B17A-81B2-40E0-9EED-3251CABDCEFF}" dt="2022-01-10T07:08:28.920" v="216" actId="1076"/>
+      <pc:docMkLst>
+        <pc:docMk/>
+      </pc:docMkLst>
+      <pc:sldChg chg="addSp delSp modSp mod">
+        <pc:chgData name="Dorian VOYDIE" userId="101e280354b7261f" providerId="LiveId" clId="{0610B17A-81B2-40E0-9EED-3251CABDCEFF}" dt="2022-01-10T07:08:28.920" v="216" actId="1076"/>
+        <pc:sldMkLst>
+          <pc:docMk/>
+          <pc:sldMk cId="4116151491" sldId="269"/>
+        </pc:sldMkLst>
+        <pc:spChg chg="mod">
+          <ac:chgData name="Dorian VOYDIE" userId="101e280354b7261f" providerId="LiveId" clId="{0610B17A-81B2-40E0-9EED-3251CABDCEFF}" dt="2022-01-10T07:08:28.920" v="216" actId="1076"/>
+          <ac:spMkLst>
+            <pc:docMk/>
+            <pc:sldMk cId="4116151491" sldId="269"/>
+            <ac:spMk id="2" creationId="{61DE5BB9-D2F3-43F5-B966-1C75DF7FC850}"/>
+          </ac:spMkLst>
+        </pc:spChg>
+        <pc:spChg chg="mod">
+          <ac:chgData name="Dorian VOYDIE" userId="101e280354b7261f" providerId="LiveId" clId="{0610B17A-81B2-40E0-9EED-3251CABDCEFF}" dt="2022-01-10T07:08:28.920" v="216" actId="1076"/>
+          <ac:spMkLst>
+            <pc:docMk/>
+            <pc:sldMk cId="4116151491" sldId="269"/>
+            <ac:spMk id="3" creationId="{8D343910-EC7C-47A6-92F5-86C4897AAC70}"/>
+          </ac:spMkLst>
+        </pc:spChg>
+        <pc:spChg chg="add del mod">
+          <ac:chgData name="Dorian VOYDIE" userId="101e280354b7261f" providerId="LiveId" clId="{0610B17A-81B2-40E0-9EED-3251CABDCEFF}" dt="2022-01-10T07:05:35.088" v="22"/>
+          <ac:spMkLst>
+            <pc:docMk/>
+            <pc:sldMk cId="4116151491" sldId="269"/>
+            <ac:spMk id="8" creationId="{5DADFA0E-62BC-46AF-9589-3EFC6747BA8C}"/>
+          </ac:spMkLst>
+        </pc:spChg>
+        <pc:spChg chg="add del mod">
+          <ac:chgData name="Dorian VOYDIE" userId="101e280354b7261f" providerId="LiveId" clId="{0610B17A-81B2-40E0-9EED-3251CABDCEFF}" dt="2022-01-10T07:05:35.088" v="22"/>
+          <ac:spMkLst>
+            <pc:docMk/>
+            <pc:sldMk cId="4116151491" sldId="269"/>
+            <ac:spMk id="9" creationId="{20C3DF5A-730B-4EE9-A1CD-59758199D667}"/>
+          </ac:spMkLst>
+        </pc:spChg>
+        <pc:spChg chg="add del mod">
+          <ac:chgData name="Dorian VOYDIE" userId="101e280354b7261f" providerId="LiveId" clId="{0610B17A-81B2-40E0-9EED-3251CABDCEFF}" dt="2022-01-10T07:05:51.587" v="26"/>
+          <ac:spMkLst>
+            <pc:docMk/>
+            <pc:sldMk cId="4116151491" sldId="269"/>
+            <ac:spMk id="10" creationId="{3B512F52-5CB0-4D6F-B2A0-162B296BBE02}"/>
+          </ac:spMkLst>
+        </pc:spChg>
+        <pc:spChg chg="add del mod">
+          <ac:chgData name="Dorian VOYDIE" userId="101e280354b7261f" providerId="LiveId" clId="{0610B17A-81B2-40E0-9EED-3251CABDCEFF}" dt="2022-01-10T07:05:51.587" v="26"/>
+          <ac:spMkLst>
+            <pc:docMk/>
+            <pc:sldMk cId="4116151491" sldId="269"/>
+            <ac:spMk id="11" creationId="{C3BDA9D8-BB67-4153-B858-4E73160EC3A7}"/>
+          </ac:spMkLst>
+        </pc:spChg>
+        <pc:spChg chg="add del mod">
+          <ac:chgData name="Dorian VOYDIE" userId="101e280354b7261f" providerId="LiveId" clId="{0610B17A-81B2-40E0-9EED-3251CABDCEFF}" dt="2022-01-10T07:06:04.885" v="30" actId="478"/>
+          <ac:spMkLst>
+            <pc:docMk/>
+            <pc:sldMk cId="4116151491" sldId="269"/>
+            <ac:spMk id="12" creationId="{37D69EBC-3084-4958-B95F-9C67F040712D}"/>
+          </ac:spMkLst>
+        </pc:spChg>
+        <pc:spChg chg="add del mod">
+          <ac:chgData name="Dorian VOYDIE" userId="101e280354b7261f" providerId="LiveId" clId="{0610B17A-81B2-40E0-9EED-3251CABDCEFF}" dt="2022-01-10T07:06:01.852" v="29" actId="478"/>
+          <ac:spMkLst>
+            <pc:docMk/>
+            <pc:sldMk cId="4116151491" sldId="269"/>
+            <ac:spMk id="13" creationId="{208CA525-58B5-42B4-9DAE-90A02BAD7175}"/>
+          </ac:spMkLst>
+        </pc:spChg>
+        <pc:spChg chg="add mod">
+          <ac:chgData name="Dorian VOYDIE" userId="101e280354b7261f" providerId="LiveId" clId="{0610B17A-81B2-40E0-9EED-3251CABDCEFF}" dt="2022-01-10T07:08:28.920" v="216" actId="1076"/>
+          <ac:spMkLst>
+            <pc:docMk/>
+            <pc:sldMk cId="4116151491" sldId="269"/>
+            <ac:spMk id="14" creationId="{31DD1A96-3B02-4DBB-AA56-90B4C9E13677}"/>
+          </ac:spMkLst>
+        </pc:spChg>
+        <pc:spChg chg="add mod">
+          <ac:chgData name="Dorian VOYDIE" userId="101e280354b7261f" providerId="LiveId" clId="{0610B17A-81B2-40E0-9EED-3251CABDCEFF}" dt="2022-01-10T07:08:28.920" v="216" actId="1076"/>
+          <ac:spMkLst>
+            <pc:docMk/>
+            <pc:sldMk cId="4116151491" sldId="269"/>
+            <ac:spMk id="15" creationId="{CDF34077-F584-4885-BB87-752F3E63EF69}"/>
+          </ac:spMkLst>
+        </pc:spChg>
+      </pc:sldChg>
+    </pc:docChg>
+  </pc:docChgLst>
+</pc:chgInfo>
+</file>
+
 <file path=ppt/handoutMasters/handoutMaster1.xml><?xml version="1.0" encoding="utf-8"?>
 <p:handoutMaster xmlns:a="http://schemas.openxmlformats.org/drawingml/2006/main" xmlns:r="http://schemas.openxmlformats.org/officeDocument/2006/relationships" xmlns:p="http://schemas.openxmlformats.org/presentationml/2006/main">
   <p:cSld>
@@ -259,7 +368,7 @@
           <a:p>
             <a:fld id="{53A937F6-B62D-AD46-AF25-6EC9A7552276}" type="datetimeFigureOut">
               <a:rPr lang="fr-FR" smtClean="0"/>
-              <a:t>09/01/2022</a:t>
+              <a:t>10/01/2022</a:t>
             </a:fld>
             <a:endParaRPr lang="fr-FR"/>
           </a:p>
@@ -440,7 +549,7 @@
           <a:p>
             <a:fld id="{E03AE526-58A0-F845-A088-68B81E2D3A6F}" type="datetimeFigureOut">
               <a:rPr lang="fr-FR" smtClean="0"/>
-              <a:t>09/01/2022</a:t>
+              <a:t>10/01/2022</a:t>
             </a:fld>
             <a:endParaRPr lang="fr-FR"/>
           </a:p>
@@ -1853,7 +1962,7 @@
           <a:p>
             <a:fld id="{C5BEA25D-D2B1-F44C-BFF0-44107D31BD17}" type="datetime1">
               <a:rPr lang="fr-FR" smtClean="0"/>
-              <a:t>09/01/2022</a:t>
+              <a:t>10/01/2022</a:t>
             </a:fld>
             <a:endParaRPr lang="fr-FR"/>
           </a:p>
@@ -2168,7 +2277,7 @@
           <a:p>
             <a:fld id="{8208BC24-BD05-7F48-A753-E18A206F2FF2}" type="datetime1">
               <a:rPr lang="fr-FR" smtClean="0"/>
-              <a:t>09/01/2022</a:t>
+              <a:t>10/01/2022</a:t>
             </a:fld>
             <a:endParaRPr lang="fr-FR"/>
           </a:p>
@@ -2393,7 +2502,7 @@
           <a:p>
             <a:fld id="{6B12BDC7-1609-744E-9E45-092BCCF4F622}" type="datetime1">
               <a:rPr lang="fr-FR" smtClean="0"/>
-              <a:t>09/01/2022</a:t>
+              <a:t>10/01/2022</a:t>
             </a:fld>
             <a:endParaRPr lang="fr-FR"/>
           </a:p>
@@ -2687,7 +2796,7 @@
           <a:p>
             <a:fld id="{CBABCBA0-53F5-C446-83B6-5C1FB9862F2A}" type="datetime1">
               <a:rPr lang="fr-FR" smtClean="0"/>
-              <a:t>09/01/2022</a:t>
+              <a:t>10/01/2022</a:t>
             </a:fld>
             <a:endParaRPr lang="fr-FR"/>
           </a:p>
@@ -3144,7 +3253,7 @@
           <a:p>
             <a:fld id="{11A3B0AC-C671-0F4C-B969-354ECD609AFC}" type="datetime1">
               <a:rPr lang="fr-FR" smtClean="0"/>
-              <a:t>09/01/2022</a:t>
+              <a:t>10/01/2022</a:t>
             </a:fld>
             <a:endParaRPr lang="fr-FR"/>
           </a:p>
@@ -3723,7 +3832,7 @@
           <a:p>
             <a:fld id="{0885A27C-2AD5-084C-A60A-0145C4CF0E88}" type="datetime1">
               <a:rPr lang="fr-FR" smtClean="0"/>
-              <a:t>09/01/2022</a:t>
+              <a:t>10/01/2022</a:t>
             </a:fld>
             <a:endParaRPr lang="fr-FR"/>
           </a:p>
@@ -4578,7 +4687,7 @@
           <a:p>
             <a:fld id="{071485A5-C336-6642-8D8B-717EB859301B}" type="datetime1">
               <a:rPr lang="fr-FR" smtClean="0"/>
-              <a:t>09/01/2022</a:t>
+              <a:t>10/01/2022</a:t>
             </a:fld>
             <a:endParaRPr lang="fr-FR"/>
           </a:p>
@@ -4786,7 +4895,7 @@
           <a:p>
             <a:fld id="{198665A1-84CA-7643-A273-2F5BD813868C}" type="datetime1">
               <a:rPr lang="fr-FR" smtClean="0"/>
-              <a:t>09/01/2022</a:t>
+              <a:t>10/01/2022</a:t>
             </a:fld>
             <a:endParaRPr lang="fr-FR"/>
           </a:p>
@@ -5003,7 +5112,7 @@
           <a:p>
             <a:fld id="{3CB5499F-FF36-CF46-AD93-429485EA1FD3}" type="datetime1">
               <a:rPr lang="fr-FR" smtClean="0"/>
-              <a:t>09/01/2022</a:t>
+              <a:t>10/01/2022</a:t>
             </a:fld>
             <a:endParaRPr lang="fr-FR"/>
           </a:p>
@@ -5176,7 +5285,7 @@
           <a:p>
             <a:fld id="{8F7287B2-928E-C446-9E8F-838A024BD073}" type="datetime1">
               <a:rPr lang="fr-FR" smtClean="0"/>
-              <a:t>09/01/2022</a:t>
+              <a:t>10/01/2022</a:t>
             </a:fld>
             <a:endParaRPr lang="fr-FR"/>
           </a:p>
@@ -5384,7 +5493,7 @@
           <a:p>
             <a:fld id="{EA324A65-4501-0540-A3B5-611C725BA02C}" type="datetime1">
               <a:rPr lang="fr-FR" smtClean="0"/>
-              <a:t>09/01/2022</a:t>
+              <a:t>10/01/2022</a:t>
             </a:fld>
             <a:endParaRPr lang="fr-FR"/>
           </a:p>
@@ -5667,7 +5776,7 @@
           <a:p>
             <a:fld id="{B64BCC8E-2B87-044E-87DF-0C53F2D7C2D4}" type="datetime1">
               <a:rPr lang="fr-FR" smtClean="0"/>
-              <a:t>09/01/2022</a:t>
+              <a:t>10/01/2022</a:t>
             </a:fld>
             <a:endParaRPr lang="fr-FR"/>
           </a:p>
@@ -5937,7 +6046,7 @@
           <a:p>
             <a:fld id="{8A7893BF-6916-6F47-BAEA-EE26F2FD5E43}" type="datetime1">
               <a:rPr lang="fr-FR" smtClean="0"/>
-              <a:t>09/01/2022</a:t>
+              <a:t>10/01/2022</a:t>
             </a:fld>
             <a:endParaRPr lang="fr-FR"/>
           </a:p>
@@ -6355,7 +6464,7 @@
           <a:p>
             <a:fld id="{40EA9DF7-CC5A-8642-A26D-91A81E1BC121}" type="datetime1">
               <a:rPr lang="fr-FR" smtClean="0"/>
-              <a:t>09/01/2022</a:t>
+              <a:t>10/01/2022</a:t>
             </a:fld>
             <a:endParaRPr lang="fr-FR"/>
           </a:p>
@@ -6506,7 +6615,7 @@
           <a:p>
             <a:fld id="{2D3E6824-DCB8-1249-A355-762C4C3008F2}" type="datetime1">
               <a:rPr lang="fr-FR" smtClean="0"/>
-              <a:t>09/01/2022</a:t>
+              <a:t>10/01/2022</a:t>
             </a:fld>
             <a:endParaRPr lang="fr-FR"/>
           </a:p>
@@ -6634,7 +6743,7 @@
           <a:p>
             <a:fld id="{EC9BCB1D-4375-0140-BBE7-B9B1EDFC992F}" type="datetime1">
               <a:rPr lang="fr-FR" smtClean="0"/>
-              <a:t>09/01/2022</a:t>
+              <a:t>10/01/2022</a:t>
             </a:fld>
             <a:endParaRPr lang="fr-FR"/>
           </a:p>
@@ -6916,7 +7025,7 @@
           <a:p>
             <a:fld id="{56EA715E-D0E4-0048-B9B7-DB1D5047ABCF}" type="datetime1">
               <a:rPr lang="fr-FR" smtClean="0"/>
-              <a:t>09/01/2022</a:t>
+              <a:t>10/01/2022</a:t>
             </a:fld>
             <a:endParaRPr lang="fr-FR"/>
           </a:p>
@@ -7231,7 +7340,7 @@
           <a:p>
             <a:fld id="{A0A9CED3-F25E-4046-9F13-61D2E9093756}" type="datetime1">
               <a:rPr lang="fr-FR" smtClean="0"/>
-              <a:t>09/01/2022</a:t>
+              <a:t>10/01/2022</a:t>
             </a:fld>
             <a:endParaRPr lang="fr-FR"/>
           </a:p>
@@ -7487,7 +7596,7 @@
           <a:p>
             <a:fld id="{FEF03965-210E-D04F-AD81-D863E780A621}" type="datetime1">
               <a:rPr lang="fr-FR" smtClean="0"/>
-              <a:t>09/01/2022</a:t>
+              <a:t>10/01/2022</a:t>
             </a:fld>
             <a:endParaRPr lang="fr-FR"/>
           </a:p>
@@ -10223,7 +10332,12 @@
             <p:ph type="title"/>
           </p:nvPr>
         </p:nvSpPr>
-        <p:spPr/>
+        <p:spPr>
+          <a:xfrm>
+            <a:off x="913775" y="341115"/>
+            <a:ext cx="10364451" cy="1596177"/>
+          </a:xfrm>
+        </p:spPr>
         <p:txBody>
           <a:bodyPr/>
           <a:lstStyle/>
@@ -10231,7 +10345,7 @@
             <a:pPr algn="ctr"/>
             <a:r>
               <a:rPr lang="fr-FR" dirty="0"/>
-              <a:t>Différents problèmes</a:t>
+              <a:t>Conclusion</a:t>
             </a:r>
           </a:p>
         </p:txBody>
@@ -10252,7 +10366,12 @@
             <p:ph idx="1"/>
           </p:nvPr>
         </p:nvSpPr>
-        <p:spPr/>
+        <p:spPr>
+          <a:xfrm>
+            <a:off x="913775" y="1516750"/>
+            <a:ext cx="10364452" cy="1876134"/>
+          </a:xfrm>
+        </p:spPr>
         <p:txBody>
           <a:bodyPr/>
           <a:lstStyle/>
@@ -10265,25 +10384,8 @@
               <a:rPr lang="fr-FR" dirty="0">
                 <a:sym typeface="Wingdings" panose="05000000000000000000" pitchFamily="2" charset="2"/>
               </a:rPr>
-              <a:t> Nans dans les données Kaggle (max 50%), Nans dans les données </a:t>
-            </a:r>
-            <a:r>
-              <a:rPr lang="fr-FR" dirty="0" err="1">
-                <a:sym typeface="Wingdings" panose="05000000000000000000" pitchFamily="2" charset="2"/>
-              </a:rPr>
-              <a:t>MeteoNet</a:t>
-            </a:r>
-            <a:r>
-              <a:rPr lang="fr-FR" dirty="0">
-                <a:sym typeface="Wingdings" panose="05000000000000000000" pitchFamily="2" charset="2"/>
-              </a:rPr>
-              <a:t> (max 27%), Nans dans la Baseline (5%)</a:t>
-            </a:r>
-          </a:p>
-          <a:p>
-            <a:endParaRPr lang="fr-FR" dirty="0">
-              <a:sym typeface="Wingdings" panose="05000000000000000000" pitchFamily="2" charset="2"/>
-            </a:endParaRPr>
+              <a:t> Nans dans les données Kaggle (max 50%), Nans dans les données MeteoNet (max 27%), Nans dans la Baseline (5%)</a:t>
+            </a:r>
           </a:p>
           <a:p>
             <a:r>
@@ -10292,11 +10394,6 @@
               </a:rPr>
               <a:t>MAPE &lt;29,48  Meilleur soumission ligne de 0</a:t>
             </a:r>
-          </a:p>
-          <a:p>
-            <a:endParaRPr lang="fr-FR" dirty="0">
-              <a:sym typeface="Wingdings" panose="05000000000000000000" pitchFamily="2" charset="2"/>
-            </a:endParaRPr>
           </a:p>
           <a:p>
             <a:r>
@@ -10363,6 +10460,314 @@
               <a:t>16</a:t>
             </a:fld>
             <a:endParaRPr lang="fr-FR"/>
+          </a:p>
+        </p:txBody>
+      </p:sp>
+      <p:sp>
+        <p:nvSpPr>
+          <p:cNvPr id="14" name="Titre 1">
+            <a:extLst>
+              <a:ext uri="{FF2B5EF4-FFF2-40B4-BE49-F238E27FC236}">
+                <a16:creationId xmlns:a16="http://schemas.microsoft.com/office/drawing/2014/main" id="{31DD1A96-3B02-4DBB-AA56-90B4C9E13677}"/>
+              </a:ext>
+            </a:extLst>
+          </p:cNvPr>
+          <p:cNvSpPr txBox="1">
+            <a:spLocks/>
+          </p:cNvSpPr>
+          <p:nvPr/>
+        </p:nvSpPr>
+        <p:spPr>
+          <a:xfrm>
+            <a:off x="913774" y="3019646"/>
+            <a:ext cx="10364451" cy="1596177"/>
+          </a:xfrm>
+          <a:prstGeom prst="rect">
+            <a:avLst/>
+          </a:prstGeom>
+        </p:spPr>
+        <p:txBody>
+          <a:bodyPr vert="horz" lIns="91440" tIns="45720" rIns="91440" bIns="45720" rtlCol="0" anchor="ctr">
+            <a:normAutofit/>
+          </a:bodyPr>
+          <a:lstStyle>
+            <a:lvl1pPr algn="ctr" defTabSz="914400" rtl="0" eaLnBrk="1" latinLnBrk="0" hangingPunct="1">
+              <a:lnSpc>
+                <a:spcPct val="90000"/>
+              </a:lnSpc>
+              <a:spcBef>
+                <a:spcPct val="0"/>
+              </a:spcBef>
+              <a:buNone/>
+              <a:defRPr sz="3600" kern="1200" cap="all" baseline="0">
+                <a:solidFill>
+                  <a:schemeClr val="tx1"/>
+                </a:solidFill>
+                <a:effectLst/>
+                <a:latin typeface="+mj-lt"/>
+                <a:ea typeface="+mj-ea"/>
+                <a:cs typeface="+mj-cs"/>
+              </a:defRPr>
+            </a:lvl1pPr>
+          </a:lstStyle>
+          <a:p>
+            <a:r>
+              <a:rPr lang="fr-FR" dirty="0"/>
+              <a:t>Points A AMELIORER</a:t>
+            </a:r>
+          </a:p>
+        </p:txBody>
+      </p:sp>
+      <p:sp>
+        <p:nvSpPr>
+          <p:cNvPr id="15" name="Espace réservé du contenu 2">
+            <a:extLst>
+              <a:ext uri="{FF2B5EF4-FFF2-40B4-BE49-F238E27FC236}">
+                <a16:creationId xmlns:a16="http://schemas.microsoft.com/office/drawing/2014/main" id="{CDF34077-F584-4885-BB87-752F3E63EF69}"/>
+              </a:ext>
+            </a:extLst>
+          </p:cNvPr>
+          <p:cNvSpPr txBox="1">
+            <a:spLocks/>
+          </p:cNvSpPr>
+          <p:nvPr/>
+        </p:nvSpPr>
+        <p:spPr>
+          <a:xfrm>
+            <a:off x="913774" y="4195281"/>
+            <a:ext cx="10364452" cy="1876134"/>
+          </a:xfrm>
+          <a:prstGeom prst="rect">
+            <a:avLst/>
+          </a:prstGeom>
+        </p:spPr>
+        <p:txBody>
+          <a:bodyPr vert="horz" lIns="91440" tIns="45720" rIns="91440" bIns="45720" rtlCol="0">
+            <a:normAutofit/>
+          </a:bodyPr>
+          <a:lstStyle>
+            <a:lvl1pPr marL="228600" indent="-228600" algn="l" defTabSz="914400" rtl="0" eaLnBrk="1" latinLnBrk="0" hangingPunct="1">
+              <a:lnSpc>
+                <a:spcPct val="120000"/>
+              </a:lnSpc>
+              <a:spcBef>
+                <a:spcPts val="1000"/>
+              </a:spcBef>
+              <a:buClr>
+                <a:schemeClr val="tx1"/>
+              </a:buClr>
+              <a:buFont typeface="Arial" panose="020B0604020202020204" pitchFamily="34" charset="0"/>
+              <a:buChar char="•"/>
+              <a:defRPr sz="2000" kern="1200" cap="all" baseline="0">
+                <a:solidFill>
+                  <a:schemeClr val="tx1"/>
+                </a:solidFill>
+                <a:effectLst/>
+                <a:latin typeface="+mn-lt"/>
+                <a:ea typeface="+mn-ea"/>
+                <a:cs typeface="+mn-cs"/>
+              </a:defRPr>
+            </a:lvl1pPr>
+            <a:lvl2pPr marL="685800" indent="-228600" algn="l" defTabSz="914400" rtl="0" eaLnBrk="1" latinLnBrk="0" hangingPunct="1">
+              <a:lnSpc>
+                <a:spcPct val="120000"/>
+              </a:lnSpc>
+              <a:spcBef>
+                <a:spcPts val="500"/>
+              </a:spcBef>
+              <a:buClr>
+                <a:schemeClr val="tx1"/>
+              </a:buClr>
+              <a:buFont typeface="Arial" panose="020B0604020202020204" pitchFamily="34" charset="0"/>
+              <a:buChar char="•"/>
+              <a:defRPr sz="1800" kern="1200" cap="all" baseline="0">
+                <a:solidFill>
+                  <a:schemeClr val="tx1"/>
+                </a:solidFill>
+                <a:effectLst/>
+                <a:latin typeface="+mn-lt"/>
+                <a:ea typeface="+mn-ea"/>
+                <a:cs typeface="+mn-cs"/>
+              </a:defRPr>
+            </a:lvl2pPr>
+            <a:lvl3pPr marL="1143000" indent="-228600" algn="l" defTabSz="914400" rtl="0" eaLnBrk="1" latinLnBrk="0" hangingPunct="1">
+              <a:lnSpc>
+                <a:spcPct val="120000"/>
+              </a:lnSpc>
+              <a:spcBef>
+                <a:spcPts val="500"/>
+              </a:spcBef>
+              <a:buClr>
+                <a:schemeClr val="tx1"/>
+              </a:buClr>
+              <a:buFont typeface="Arial" panose="020B0604020202020204" pitchFamily="34" charset="0"/>
+              <a:buChar char="•"/>
+              <a:defRPr sz="1600" kern="1200" cap="all" baseline="0">
+                <a:solidFill>
+                  <a:schemeClr val="tx1"/>
+                </a:solidFill>
+                <a:effectLst/>
+                <a:latin typeface="+mn-lt"/>
+                <a:ea typeface="+mn-ea"/>
+                <a:cs typeface="+mn-cs"/>
+              </a:defRPr>
+            </a:lvl3pPr>
+            <a:lvl4pPr marL="1600200" indent="-228600" algn="l" defTabSz="914400" rtl="0" eaLnBrk="1" latinLnBrk="0" hangingPunct="1">
+              <a:lnSpc>
+                <a:spcPct val="120000"/>
+              </a:lnSpc>
+              <a:spcBef>
+                <a:spcPts val="500"/>
+              </a:spcBef>
+              <a:buClr>
+                <a:schemeClr val="tx1"/>
+              </a:buClr>
+              <a:buFont typeface="Arial" panose="020B0604020202020204" pitchFamily="34" charset="0"/>
+              <a:buChar char="•"/>
+              <a:defRPr sz="1400" kern="1200" cap="all" baseline="0">
+                <a:solidFill>
+                  <a:schemeClr val="tx1"/>
+                </a:solidFill>
+                <a:effectLst/>
+                <a:latin typeface="+mn-lt"/>
+                <a:ea typeface="+mn-ea"/>
+                <a:cs typeface="+mn-cs"/>
+              </a:defRPr>
+            </a:lvl4pPr>
+            <a:lvl5pPr marL="2057400" indent="-228600" algn="l" defTabSz="914400" rtl="0" eaLnBrk="1" latinLnBrk="0" hangingPunct="1">
+              <a:lnSpc>
+                <a:spcPct val="120000"/>
+              </a:lnSpc>
+              <a:spcBef>
+                <a:spcPts val="500"/>
+              </a:spcBef>
+              <a:buClr>
+                <a:schemeClr val="tx1"/>
+              </a:buClr>
+              <a:buFont typeface="Arial" panose="020B0604020202020204" pitchFamily="34" charset="0"/>
+              <a:buChar char="•"/>
+              <a:defRPr sz="1400" kern="1200" cap="all" baseline="0">
+                <a:solidFill>
+                  <a:schemeClr val="tx1"/>
+                </a:solidFill>
+                <a:effectLst/>
+                <a:latin typeface="+mn-lt"/>
+                <a:ea typeface="+mn-ea"/>
+                <a:cs typeface="+mn-cs"/>
+              </a:defRPr>
+            </a:lvl5pPr>
+            <a:lvl6pPr marL="2514600" indent="-228600" algn="l" defTabSz="914400" rtl="0" eaLnBrk="1" latinLnBrk="0" hangingPunct="1">
+              <a:lnSpc>
+                <a:spcPct val="120000"/>
+              </a:lnSpc>
+              <a:spcBef>
+                <a:spcPts val="500"/>
+              </a:spcBef>
+              <a:buClr>
+                <a:schemeClr val="tx1"/>
+              </a:buClr>
+              <a:buFont typeface="Arial" panose="020B0604020202020204" pitchFamily="34" charset="0"/>
+              <a:buChar char="•"/>
+              <a:defRPr sz="1400" kern="1200" cap="all" baseline="0">
+                <a:solidFill>
+                  <a:schemeClr val="tx1"/>
+                </a:solidFill>
+                <a:effectLst/>
+                <a:latin typeface="+mn-lt"/>
+                <a:ea typeface="+mn-ea"/>
+                <a:cs typeface="+mn-cs"/>
+              </a:defRPr>
+            </a:lvl6pPr>
+            <a:lvl7pPr marL="2971800" indent="-228600" algn="l" defTabSz="914400" rtl="0" eaLnBrk="1" latinLnBrk="0" hangingPunct="1">
+              <a:lnSpc>
+                <a:spcPct val="120000"/>
+              </a:lnSpc>
+              <a:spcBef>
+                <a:spcPts val="500"/>
+              </a:spcBef>
+              <a:buClr>
+                <a:schemeClr val="tx1"/>
+              </a:buClr>
+              <a:buFont typeface="Arial" panose="020B0604020202020204" pitchFamily="34" charset="0"/>
+              <a:buChar char="•"/>
+              <a:defRPr sz="1400" kern="1200" cap="all" baseline="0">
+                <a:solidFill>
+                  <a:schemeClr val="tx1"/>
+                </a:solidFill>
+                <a:effectLst/>
+                <a:latin typeface="+mn-lt"/>
+                <a:ea typeface="+mn-ea"/>
+                <a:cs typeface="+mn-cs"/>
+              </a:defRPr>
+            </a:lvl7pPr>
+            <a:lvl8pPr marL="3429000" indent="-228600" algn="l" defTabSz="914400" rtl="0" eaLnBrk="1" latinLnBrk="0" hangingPunct="1">
+              <a:lnSpc>
+                <a:spcPct val="120000"/>
+              </a:lnSpc>
+              <a:spcBef>
+                <a:spcPts val="500"/>
+              </a:spcBef>
+              <a:buClr>
+                <a:schemeClr val="tx1"/>
+              </a:buClr>
+              <a:buFont typeface="Arial" panose="020B0604020202020204" pitchFamily="34" charset="0"/>
+              <a:buChar char="•"/>
+              <a:defRPr sz="1400" kern="1200" cap="all" baseline="0">
+                <a:solidFill>
+                  <a:schemeClr val="tx1"/>
+                </a:solidFill>
+                <a:effectLst/>
+                <a:latin typeface="+mn-lt"/>
+                <a:ea typeface="+mn-ea"/>
+                <a:cs typeface="+mn-cs"/>
+              </a:defRPr>
+            </a:lvl8pPr>
+            <a:lvl9pPr marL="3886200" indent="-228600" algn="l" defTabSz="914400" rtl="0" eaLnBrk="1" latinLnBrk="0" hangingPunct="1">
+              <a:lnSpc>
+                <a:spcPct val="120000"/>
+              </a:lnSpc>
+              <a:spcBef>
+                <a:spcPts val="500"/>
+              </a:spcBef>
+              <a:buClr>
+                <a:schemeClr val="tx1"/>
+              </a:buClr>
+              <a:buFont typeface="Arial" panose="020B0604020202020204" pitchFamily="34" charset="0"/>
+              <a:buChar char="•"/>
+              <a:defRPr sz="1400" kern="1200" cap="all" baseline="0">
+                <a:solidFill>
+                  <a:schemeClr val="tx1"/>
+                </a:solidFill>
+                <a:effectLst/>
+                <a:latin typeface="+mn-lt"/>
+                <a:ea typeface="+mn-ea"/>
+                <a:cs typeface="+mn-cs"/>
+              </a:defRPr>
+            </a:lvl9pPr>
+          </a:lstStyle>
+          <a:p>
+            <a:r>
+              <a:rPr lang="fr-FR" dirty="0"/>
+              <a:t>Imputation et feature engineering</a:t>
+            </a:r>
+          </a:p>
+          <a:p>
+            <a:r>
+              <a:rPr lang="fr-FR" dirty="0"/>
+              <a:t>Connaissance métier : collaboration avec des météorologues</a:t>
+            </a:r>
+            <a:endParaRPr lang="fr-FR" dirty="0">
+              <a:sym typeface="Wingdings" panose="05000000000000000000" pitchFamily="2" charset="2"/>
+            </a:endParaRPr>
+          </a:p>
+          <a:p>
+            <a:r>
+              <a:rPr lang="fr-FR" dirty="0">
+                <a:sym typeface="Wingdings" panose="05000000000000000000" pitchFamily="2" charset="2"/>
+              </a:rPr>
+              <a:t>Détermination des paramètres critiques pour la prédiction ciblée</a:t>
+            </a:r>
+            <a:endParaRPr lang="fr-FR" dirty="0"/>
           </a:p>
         </p:txBody>
       </p:sp>
